--- a/5_Donem_Ders_Notlari/YZ/DersSlayt/08_probabilistic reasoning and Bayesian networks.pptx
+++ b/5_Donem_Ders_Notlari/YZ/DersSlayt/08_probabilistic reasoning and Bayesian networks.pptx
@@ -233,7 +233,7 @@
           <a:p>
             <a:fld id="{0D06C007-9E58-4D55-B900-421821F1FA7B}" type="datetimeFigureOut">
               <a:rPr lang="tr-TR" smtClean="0"/>
-              <a:t>21.11.2024</a:t>
+              <a:t>30.11.2024</a:t>
             </a:fld>
             <a:endParaRPr lang="tr-TR"/>
           </a:p>
@@ -297,38 +297,37 @@
           <a:p>
             <a:pPr lvl="0"/>
             <a:r>
-              <a:rPr lang="tr-TR" smtClean="0"/>
+              <a:rPr lang="tr-TR"/>
               <a:t>Asıl metin stillerini düzenlemek için tıklatın</a:t>
             </a:r>
           </a:p>
           <a:p>
             <a:pPr lvl="1"/>
             <a:r>
-              <a:rPr lang="tr-TR" smtClean="0"/>
+              <a:rPr lang="tr-TR"/>
               <a:t>İkinci düzey</a:t>
             </a:r>
           </a:p>
           <a:p>
             <a:pPr lvl="2"/>
             <a:r>
-              <a:rPr lang="tr-TR" smtClean="0"/>
+              <a:rPr lang="tr-TR"/>
               <a:t>Üçüncü düzey</a:t>
             </a:r>
           </a:p>
           <a:p>
             <a:pPr lvl="3"/>
             <a:r>
-              <a:rPr lang="tr-TR" smtClean="0"/>
+              <a:rPr lang="tr-TR"/>
               <a:t>Dördüncü düzey</a:t>
             </a:r>
           </a:p>
           <a:p>
             <a:pPr lvl="4"/>
             <a:r>
-              <a:rPr lang="tr-TR" smtClean="0"/>
+              <a:rPr lang="tr-TR"/>
               <a:t>Beşinci düzey</a:t>
             </a:r>
-            <a:endParaRPr lang="tr-TR"/>
           </a:p>
         </p:txBody>
       </p:sp>
@@ -714,41 +713,41 @@
           <a:lstStyle/>
           <a:p>
             <a:r>
-              <a:rPr lang="en-US" dirty="0" smtClean="0"/>
+              <a:rPr lang="en-US" dirty="0"/>
               <a:t>Descendants</a:t>
             </a:r>
             <a:r>
-              <a:rPr lang="tr-TR" dirty="0" smtClean="0"/>
+              <a:rPr lang="tr-TR" dirty="0"/>
               <a:t>-</a:t>
             </a:r>
             <a:r>
-              <a:rPr lang="tr-TR" smtClean="0"/>
+              <a:rPr lang="tr-TR"/>
               <a:t>&gt;neslinden</a:t>
             </a:r>
             <a:r>
-              <a:rPr lang="tr-TR" baseline="0" smtClean="0"/>
+              <a:rPr lang="tr-TR" baseline="0"/>
               <a:t> </a:t>
             </a:r>
             <a:r>
-              <a:rPr lang="tr-TR" baseline="0" dirty="0" smtClean="0"/>
+              <a:rPr lang="tr-TR" baseline="0" dirty="0"/>
               <a:t>olan, torun</a:t>
             </a:r>
           </a:p>
           <a:p>
             <a:r>
-              <a:rPr lang="tr-TR" baseline="0" dirty="0" err="1" smtClean="0"/>
+              <a:rPr lang="tr-TR" baseline="0" dirty="0" err="1"/>
               <a:t>Nondescendant</a:t>
             </a:r>
             <a:r>
-              <a:rPr lang="tr-TR" baseline="0" dirty="0" smtClean="0"/>
+              <a:rPr lang="tr-TR" baseline="0" dirty="0"/>
               <a:t>-</a:t>
             </a:r>
             <a:r>
-              <a:rPr lang="tr-TR" baseline="0" smtClean="0"/>
+              <a:rPr lang="tr-TR" baseline="0"/>
               <a:t>&gt; </a:t>
             </a:r>
             <a:r>
-              <a:rPr lang="en-US" baseline="0" smtClean="0"/>
+              <a:rPr lang="en-US" baseline="0"/>
               <a:t>neslinden olmayan</a:t>
             </a:r>
             <a:endParaRPr lang="en-US" dirty="0"/>
@@ -919,7 +918,7 @@
           <a:bodyPr/>
           <a:lstStyle/>
           <a:p>
-            <a:endParaRPr lang="tr-TR" sz="1200" dirty="0" smtClean="0"/>
+            <a:endParaRPr lang="tr-TR" sz="1200" dirty="0"/>
           </a:p>
         </p:txBody>
       </p:sp>
@@ -1003,7 +1002,7 @@
           <a:bodyPr/>
           <a:lstStyle/>
           <a:p>
-            <a:endParaRPr lang="tr-TR" sz="1200" dirty="0" smtClean="0"/>
+            <a:endParaRPr lang="tr-TR" sz="1200" dirty="0"/>
           </a:p>
         </p:txBody>
       </p:sp>
@@ -1088,7 +1087,7 @@
           <a:lstStyle/>
           <a:p>
             <a:r>
-              <a:rPr lang="en-US" sz="1200" b="0" i="0" u="none" strike="noStrike" kern="1200" smtClean="0">
+              <a:rPr lang="en-US" sz="1200" b="0" i="0" u="none" strike="noStrike" kern="1200">
                 <a:solidFill>
                   <a:schemeClr val="tx1"/>
                 </a:solidFill>
@@ -1099,15 +1098,6 @@
               </a:rPr>
               <a:t>Hardwired: bütünleşik</a:t>
             </a:r>
-            <a:endParaRPr lang="en-US" sz="1200" b="0" i="0" u="none" strike="noStrike" kern="1200">
-              <a:solidFill>
-                <a:schemeClr val="tx1"/>
-              </a:solidFill>
-              <a:effectLst/>
-              <a:latin typeface="+mn-lt"/>
-              <a:ea typeface="+mn-ea"/>
-              <a:cs typeface="+mn-cs"/>
-            </a:endParaRPr>
           </a:p>
         </p:txBody>
       </p:sp>
@@ -1192,31 +1182,31 @@
           <a:lstStyle/>
           <a:p>
             <a:r>
-              <a:rPr lang="tr-TR" dirty="0" err="1" smtClean="0"/>
+              <a:rPr lang="tr-TR" dirty="0" err="1"/>
               <a:t>Dipstick</a:t>
             </a:r>
             <a:r>
-              <a:rPr lang="tr-TR" dirty="0" smtClean="0"/>
+              <a:rPr lang="tr-TR" dirty="0"/>
               <a:t>: yağ çubuğu</a:t>
             </a:r>
           </a:p>
           <a:p>
             <a:r>
-              <a:rPr lang="tr-TR" dirty="0" err="1" smtClean="0"/>
+              <a:rPr lang="tr-TR" dirty="0" err="1"/>
               <a:t>Gauge</a:t>
             </a:r>
             <a:r>
-              <a:rPr lang="tr-TR" dirty="0" smtClean="0"/>
+              <a:rPr lang="tr-TR" dirty="0"/>
               <a:t>: gaz ölçümü</a:t>
             </a:r>
           </a:p>
           <a:p>
             <a:r>
-              <a:rPr lang="tr-TR" dirty="0" err="1" smtClean="0"/>
+              <a:rPr lang="tr-TR" dirty="0" err="1"/>
               <a:t>Fanbelt</a:t>
             </a:r>
             <a:r>
-              <a:rPr lang="tr-TR" dirty="0" smtClean="0"/>
+              <a:rPr lang="tr-TR" dirty="0"/>
               <a:t>: soğutucu fan kayışı</a:t>
             </a:r>
             <a:endParaRPr lang="en-US" dirty="0"/>
@@ -1297,10 +1287,9 @@
           <a:lstStyle/>
           <a:p>
             <a:r>
-              <a:rPr lang="tr-TR" smtClean="0"/>
+              <a:rPr lang="tr-TR"/>
               <a:t>Asıl başlık stili için tıklatın</a:t>
             </a:r>
-            <a:endParaRPr lang="tr-TR"/>
           </a:p>
         </p:txBody>
       </p:sp>
@@ -1416,10 +1405,9 @@
           </a:lstStyle>
           <a:p>
             <a:r>
-              <a:rPr lang="tr-TR" smtClean="0"/>
+              <a:rPr lang="tr-TR"/>
               <a:t>Asıl alt başlık stilini düzenlemek için tıklatın</a:t>
             </a:r>
-            <a:endParaRPr lang="tr-TR"/>
           </a:p>
         </p:txBody>
       </p:sp>
@@ -1440,7 +1428,7 @@
           <a:p>
             <a:fld id="{A23720DD-5B6D-40BF-8493-A6B52D484E6B}" type="datetimeFigureOut">
               <a:rPr lang="tr-TR" smtClean="0"/>
-              <a:t>21.11.2024</a:t>
+              <a:t>30.11.2024</a:t>
             </a:fld>
             <a:endParaRPr lang="tr-TR"/>
           </a:p>
@@ -1529,10 +1517,9 @@
           <a:lstStyle/>
           <a:p>
             <a:r>
-              <a:rPr lang="tr-TR" smtClean="0"/>
+              <a:rPr lang="tr-TR"/>
               <a:t>Asıl başlık stili için tıklatın</a:t>
             </a:r>
-            <a:endParaRPr lang="tr-TR"/>
           </a:p>
         </p:txBody>
       </p:sp>
@@ -1553,38 +1540,37 @@
           <a:p>
             <a:pPr lvl="0"/>
             <a:r>
-              <a:rPr lang="tr-TR" smtClean="0"/>
+              <a:rPr lang="tr-TR"/>
               <a:t>Asıl metin stillerini düzenlemek için tıklatın</a:t>
             </a:r>
           </a:p>
           <a:p>
             <a:pPr lvl="1"/>
             <a:r>
-              <a:rPr lang="tr-TR" smtClean="0"/>
+              <a:rPr lang="tr-TR"/>
               <a:t>İkinci düzey</a:t>
             </a:r>
           </a:p>
           <a:p>
             <a:pPr lvl="2"/>
             <a:r>
-              <a:rPr lang="tr-TR" smtClean="0"/>
+              <a:rPr lang="tr-TR"/>
               <a:t>Üçüncü düzey</a:t>
             </a:r>
           </a:p>
           <a:p>
             <a:pPr lvl="3"/>
             <a:r>
-              <a:rPr lang="tr-TR" smtClean="0"/>
+              <a:rPr lang="tr-TR"/>
               <a:t>Dördüncü düzey</a:t>
             </a:r>
           </a:p>
           <a:p>
             <a:pPr lvl="4"/>
             <a:r>
-              <a:rPr lang="tr-TR" smtClean="0"/>
+              <a:rPr lang="tr-TR"/>
               <a:t>Beşinci düzey</a:t>
             </a:r>
-            <a:endParaRPr lang="tr-TR"/>
           </a:p>
         </p:txBody>
       </p:sp>
@@ -1605,7 +1591,7 @@
           <a:p>
             <a:fld id="{A23720DD-5B6D-40BF-8493-A6B52D484E6B}" type="datetimeFigureOut">
               <a:rPr lang="tr-TR" smtClean="0"/>
-              <a:t>21.11.2024</a:t>
+              <a:t>30.11.2024</a:t>
             </a:fld>
             <a:endParaRPr lang="tr-TR"/>
           </a:p>
@@ -1699,10 +1685,9 @@
           <a:lstStyle/>
           <a:p>
             <a:r>
-              <a:rPr lang="tr-TR" smtClean="0"/>
+              <a:rPr lang="tr-TR"/>
               <a:t>Asıl başlık stili için tıklatın</a:t>
             </a:r>
-            <a:endParaRPr lang="tr-TR"/>
           </a:p>
         </p:txBody>
       </p:sp>
@@ -1728,38 +1713,37 @@
           <a:p>
             <a:pPr lvl="0"/>
             <a:r>
-              <a:rPr lang="tr-TR" smtClean="0"/>
+              <a:rPr lang="tr-TR"/>
               <a:t>Asıl metin stillerini düzenlemek için tıklatın</a:t>
             </a:r>
           </a:p>
           <a:p>
             <a:pPr lvl="1"/>
             <a:r>
-              <a:rPr lang="tr-TR" smtClean="0"/>
+              <a:rPr lang="tr-TR"/>
               <a:t>İkinci düzey</a:t>
             </a:r>
           </a:p>
           <a:p>
             <a:pPr lvl="2"/>
             <a:r>
-              <a:rPr lang="tr-TR" smtClean="0"/>
+              <a:rPr lang="tr-TR"/>
               <a:t>Üçüncü düzey</a:t>
             </a:r>
           </a:p>
           <a:p>
             <a:pPr lvl="3"/>
             <a:r>
-              <a:rPr lang="tr-TR" smtClean="0"/>
+              <a:rPr lang="tr-TR"/>
               <a:t>Dördüncü düzey</a:t>
             </a:r>
           </a:p>
           <a:p>
             <a:pPr lvl="4"/>
             <a:r>
-              <a:rPr lang="tr-TR" smtClean="0"/>
+              <a:rPr lang="tr-TR"/>
               <a:t>Beşinci düzey</a:t>
             </a:r>
-            <a:endParaRPr lang="tr-TR"/>
           </a:p>
         </p:txBody>
       </p:sp>
@@ -1780,7 +1764,7 @@
           <a:p>
             <a:fld id="{A23720DD-5B6D-40BF-8493-A6B52D484E6B}" type="datetimeFigureOut">
               <a:rPr lang="tr-TR" smtClean="0"/>
-              <a:t>21.11.2024</a:t>
+              <a:t>30.11.2024</a:t>
             </a:fld>
             <a:endParaRPr lang="tr-TR"/>
           </a:p>
@@ -1869,10 +1853,9 @@
           <a:lstStyle/>
           <a:p>
             <a:r>
-              <a:rPr lang="tr-TR" smtClean="0"/>
+              <a:rPr lang="tr-TR"/>
               <a:t>Asıl başlık stili için tıklatın</a:t>
             </a:r>
-            <a:endParaRPr lang="tr-TR"/>
           </a:p>
         </p:txBody>
       </p:sp>
@@ -1893,38 +1876,37 @@
           <a:p>
             <a:pPr lvl="0"/>
             <a:r>
-              <a:rPr lang="tr-TR" smtClean="0"/>
+              <a:rPr lang="tr-TR"/>
               <a:t>Asıl metin stillerini düzenlemek için tıklatın</a:t>
             </a:r>
           </a:p>
           <a:p>
             <a:pPr lvl="1"/>
             <a:r>
-              <a:rPr lang="tr-TR" smtClean="0"/>
+              <a:rPr lang="tr-TR"/>
               <a:t>İkinci düzey</a:t>
             </a:r>
           </a:p>
           <a:p>
             <a:pPr lvl="2"/>
             <a:r>
-              <a:rPr lang="tr-TR" smtClean="0"/>
+              <a:rPr lang="tr-TR"/>
               <a:t>Üçüncü düzey</a:t>
             </a:r>
           </a:p>
           <a:p>
             <a:pPr lvl="3"/>
             <a:r>
-              <a:rPr lang="tr-TR" smtClean="0"/>
+              <a:rPr lang="tr-TR"/>
               <a:t>Dördüncü düzey</a:t>
             </a:r>
           </a:p>
           <a:p>
             <a:pPr lvl="4"/>
             <a:r>
-              <a:rPr lang="tr-TR" smtClean="0"/>
+              <a:rPr lang="tr-TR"/>
               <a:t>Beşinci düzey</a:t>
             </a:r>
-            <a:endParaRPr lang="tr-TR"/>
           </a:p>
         </p:txBody>
       </p:sp>
@@ -1945,7 +1927,7 @@
           <a:p>
             <a:fld id="{A23720DD-5B6D-40BF-8493-A6B52D484E6B}" type="datetimeFigureOut">
               <a:rPr lang="tr-TR" smtClean="0"/>
-              <a:t>21.11.2024</a:t>
+              <a:t>30.11.2024</a:t>
             </a:fld>
             <a:endParaRPr lang="tr-TR"/>
           </a:p>
@@ -2043,10 +2025,9 @@
           </a:lstStyle>
           <a:p>
             <a:r>
-              <a:rPr lang="tr-TR" smtClean="0"/>
+              <a:rPr lang="tr-TR"/>
               <a:t>Asıl başlık stili için tıklatın</a:t>
             </a:r>
-            <a:endParaRPr lang="tr-TR"/>
           </a:p>
         </p:txBody>
       </p:sp>
@@ -2163,7 +2144,7 @@
           <a:p>
             <a:pPr lvl="0"/>
             <a:r>
-              <a:rPr lang="tr-TR" smtClean="0"/>
+              <a:rPr lang="tr-TR"/>
               <a:t>Asıl metin stillerini düzenlemek için tıklatın</a:t>
             </a:r>
           </a:p>
@@ -2186,7 +2167,7 @@
           <a:p>
             <a:fld id="{A23720DD-5B6D-40BF-8493-A6B52D484E6B}" type="datetimeFigureOut">
               <a:rPr lang="tr-TR" smtClean="0"/>
-              <a:t>21.11.2024</a:t>
+              <a:t>30.11.2024</a:t>
             </a:fld>
             <a:endParaRPr lang="tr-TR"/>
           </a:p>
@@ -2275,10 +2256,9 @@
           <a:lstStyle/>
           <a:p>
             <a:r>
-              <a:rPr lang="tr-TR" smtClean="0"/>
+              <a:rPr lang="tr-TR"/>
               <a:t>Asıl başlık stili için tıklatın</a:t>
             </a:r>
-            <a:endParaRPr lang="tr-TR"/>
           </a:p>
         </p:txBody>
       </p:sp>
@@ -2332,38 +2312,37 @@
           <a:p>
             <a:pPr lvl="0"/>
             <a:r>
-              <a:rPr lang="tr-TR" smtClean="0"/>
+              <a:rPr lang="tr-TR"/>
               <a:t>Asıl metin stillerini düzenlemek için tıklatın</a:t>
             </a:r>
           </a:p>
           <a:p>
             <a:pPr lvl="1"/>
             <a:r>
-              <a:rPr lang="tr-TR" smtClean="0"/>
+              <a:rPr lang="tr-TR"/>
               <a:t>İkinci düzey</a:t>
             </a:r>
           </a:p>
           <a:p>
             <a:pPr lvl="2"/>
             <a:r>
-              <a:rPr lang="tr-TR" smtClean="0"/>
+              <a:rPr lang="tr-TR"/>
               <a:t>Üçüncü düzey</a:t>
             </a:r>
           </a:p>
           <a:p>
             <a:pPr lvl="3"/>
             <a:r>
-              <a:rPr lang="tr-TR" smtClean="0"/>
+              <a:rPr lang="tr-TR"/>
               <a:t>Dördüncü düzey</a:t>
             </a:r>
           </a:p>
           <a:p>
             <a:pPr lvl="4"/>
             <a:r>
-              <a:rPr lang="tr-TR" smtClean="0"/>
+              <a:rPr lang="tr-TR"/>
               <a:t>Beşinci düzey</a:t>
             </a:r>
-            <a:endParaRPr lang="tr-TR"/>
           </a:p>
         </p:txBody>
       </p:sp>
@@ -2417,38 +2396,37 @@
           <a:p>
             <a:pPr lvl="0"/>
             <a:r>
-              <a:rPr lang="tr-TR" smtClean="0"/>
+              <a:rPr lang="tr-TR"/>
               <a:t>Asıl metin stillerini düzenlemek için tıklatın</a:t>
             </a:r>
           </a:p>
           <a:p>
             <a:pPr lvl="1"/>
             <a:r>
-              <a:rPr lang="tr-TR" smtClean="0"/>
+              <a:rPr lang="tr-TR"/>
               <a:t>İkinci düzey</a:t>
             </a:r>
           </a:p>
           <a:p>
             <a:pPr lvl="2"/>
             <a:r>
-              <a:rPr lang="tr-TR" smtClean="0"/>
+              <a:rPr lang="tr-TR"/>
               <a:t>Üçüncü düzey</a:t>
             </a:r>
           </a:p>
           <a:p>
             <a:pPr lvl="3"/>
             <a:r>
-              <a:rPr lang="tr-TR" smtClean="0"/>
+              <a:rPr lang="tr-TR"/>
               <a:t>Dördüncü düzey</a:t>
             </a:r>
           </a:p>
           <a:p>
             <a:pPr lvl="4"/>
             <a:r>
-              <a:rPr lang="tr-TR" smtClean="0"/>
+              <a:rPr lang="tr-TR"/>
               <a:t>Beşinci düzey</a:t>
             </a:r>
-            <a:endParaRPr lang="tr-TR"/>
           </a:p>
         </p:txBody>
       </p:sp>
@@ -2469,7 +2447,7 @@
           <a:p>
             <a:fld id="{A23720DD-5B6D-40BF-8493-A6B52D484E6B}" type="datetimeFigureOut">
               <a:rPr lang="tr-TR" smtClean="0"/>
-              <a:t>21.11.2024</a:t>
+              <a:t>30.11.2024</a:t>
             </a:fld>
             <a:endParaRPr lang="tr-TR"/>
           </a:p>
@@ -2562,10 +2540,9 @@
           </a:lstStyle>
           <a:p>
             <a:r>
-              <a:rPr lang="tr-TR" smtClean="0"/>
+              <a:rPr lang="tr-TR"/>
               <a:t>Asıl başlık stili için tıklatın</a:t>
             </a:r>
-            <a:endParaRPr lang="tr-TR"/>
           </a:p>
         </p:txBody>
       </p:sp>
@@ -2628,7 +2605,7 @@
           <a:p>
             <a:pPr lvl="0"/>
             <a:r>
-              <a:rPr lang="tr-TR" smtClean="0"/>
+              <a:rPr lang="tr-TR"/>
               <a:t>Asıl metin stillerini düzenlemek için tıklatın</a:t>
             </a:r>
           </a:p>
@@ -2684,38 +2661,37 @@
           <a:p>
             <a:pPr lvl="0"/>
             <a:r>
-              <a:rPr lang="tr-TR" smtClean="0"/>
+              <a:rPr lang="tr-TR"/>
               <a:t>Asıl metin stillerini düzenlemek için tıklatın</a:t>
             </a:r>
           </a:p>
           <a:p>
             <a:pPr lvl="1"/>
             <a:r>
-              <a:rPr lang="tr-TR" smtClean="0"/>
+              <a:rPr lang="tr-TR"/>
               <a:t>İkinci düzey</a:t>
             </a:r>
           </a:p>
           <a:p>
             <a:pPr lvl="2"/>
             <a:r>
-              <a:rPr lang="tr-TR" smtClean="0"/>
+              <a:rPr lang="tr-TR"/>
               <a:t>Üçüncü düzey</a:t>
             </a:r>
           </a:p>
           <a:p>
             <a:pPr lvl="3"/>
             <a:r>
-              <a:rPr lang="tr-TR" smtClean="0"/>
+              <a:rPr lang="tr-TR"/>
               <a:t>Dördüncü düzey</a:t>
             </a:r>
           </a:p>
           <a:p>
             <a:pPr lvl="4"/>
             <a:r>
-              <a:rPr lang="tr-TR" smtClean="0"/>
+              <a:rPr lang="tr-TR"/>
               <a:t>Beşinci düzey</a:t>
             </a:r>
-            <a:endParaRPr lang="tr-TR"/>
           </a:p>
         </p:txBody>
       </p:sp>
@@ -2778,7 +2754,7 @@
           <a:p>
             <a:pPr lvl="0"/>
             <a:r>
-              <a:rPr lang="tr-TR" smtClean="0"/>
+              <a:rPr lang="tr-TR"/>
               <a:t>Asıl metin stillerini düzenlemek için tıklatın</a:t>
             </a:r>
           </a:p>
@@ -2834,38 +2810,37 @@
           <a:p>
             <a:pPr lvl="0"/>
             <a:r>
-              <a:rPr lang="tr-TR" smtClean="0"/>
+              <a:rPr lang="tr-TR"/>
               <a:t>Asıl metin stillerini düzenlemek için tıklatın</a:t>
             </a:r>
           </a:p>
           <a:p>
             <a:pPr lvl="1"/>
             <a:r>
-              <a:rPr lang="tr-TR" smtClean="0"/>
+              <a:rPr lang="tr-TR"/>
               <a:t>İkinci düzey</a:t>
             </a:r>
           </a:p>
           <a:p>
             <a:pPr lvl="2"/>
             <a:r>
-              <a:rPr lang="tr-TR" smtClean="0"/>
+              <a:rPr lang="tr-TR"/>
               <a:t>Üçüncü düzey</a:t>
             </a:r>
           </a:p>
           <a:p>
             <a:pPr lvl="3"/>
             <a:r>
-              <a:rPr lang="tr-TR" smtClean="0"/>
+              <a:rPr lang="tr-TR"/>
               <a:t>Dördüncü düzey</a:t>
             </a:r>
           </a:p>
           <a:p>
             <a:pPr lvl="4"/>
             <a:r>
-              <a:rPr lang="tr-TR" smtClean="0"/>
+              <a:rPr lang="tr-TR"/>
               <a:t>Beşinci düzey</a:t>
             </a:r>
-            <a:endParaRPr lang="tr-TR"/>
           </a:p>
         </p:txBody>
       </p:sp>
@@ -2886,7 +2861,7 @@
           <a:p>
             <a:fld id="{A23720DD-5B6D-40BF-8493-A6B52D484E6B}" type="datetimeFigureOut">
               <a:rPr lang="tr-TR" smtClean="0"/>
-              <a:t>21.11.2024</a:t>
+              <a:t>30.11.2024</a:t>
             </a:fld>
             <a:endParaRPr lang="tr-TR"/>
           </a:p>
@@ -2975,10 +2950,9 @@
           <a:lstStyle/>
           <a:p>
             <a:r>
-              <a:rPr lang="tr-TR" smtClean="0"/>
+              <a:rPr lang="tr-TR"/>
               <a:t>Asıl başlık stili için tıklatın</a:t>
             </a:r>
-            <a:endParaRPr lang="tr-TR"/>
           </a:p>
         </p:txBody>
       </p:sp>
@@ -2999,7 +2973,7 @@
           <a:p>
             <a:fld id="{A23720DD-5B6D-40BF-8493-A6B52D484E6B}" type="datetimeFigureOut">
               <a:rPr lang="tr-TR" smtClean="0"/>
-              <a:t>21.11.2024</a:t>
+              <a:t>30.11.2024</a:t>
             </a:fld>
             <a:endParaRPr lang="tr-TR"/>
           </a:p>
@@ -3089,7 +3063,7 @@
           <a:p>
             <a:fld id="{A23720DD-5B6D-40BF-8493-A6B52D484E6B}" type="datetimeFigureOut">
               <a:rPr lang="tr-TR" smtClean="0"/>
-              <a:t>21.11.2024</a:t>
+              <a:t>30.11.2024</a:t>
             </a:fld>
             <a:endParaRPr lang="tr-TR"/>
           </a:p>
@@ -3187,10 +3161,9 @@
           </a:lstStyle>
           <a:p>
             <a:r>
-              <a:rPr lang="tr-TR" smtClean="0"/>
+              <a:rPr lang="tr-TR"/>
               <a:t>Asıl başlık stili için tıklatın</a:t>
             </a:r>
-            <a:endParaRPr lang="tr-TR"/>
           </a:p>
         </p:txBody>
       </p:sp>
@@ -3244,38 +3217,37 @@
           <a:p>
             <a:pPr lvl="0"/>
             <a:r>
-              <a:rPr lang="tr-TR" smtClean="0"/>
+              <a:rPr lang="tr-TR"/>
               <a:t>Asıl metin stillerini düzenlemek için tıklatın</a:t>
             </a:r>
           </a:p>
           <a:p>
             <a:pPr lvl="1"/>
             <a:r>
-              <a:rPr lang="tr-TR" smtClean="0"/>
+              <a:rPr lang="tr-TR"/>
               <a:t>İkinci düzey</a:t>
             </a:r>
           </a:p>
           <a:p>
             <a:pPr lvl="2"/>
             <a:r>
-              <a:rPr lang="tr-TR" smtClean="0"/>
+              <a:rPr lang="tr-TR"/>
               <a:t>Üçüncü düzey</a:t>
             </a:r>
           </a:p>
           <a:p>
             <a:pPr lvl="3"/>
             <a:r>
-              <a:rPr lang="tr-TR" smtClean="0"/>
+              <a:rPr lang="tr-TR"/>
               <a:t>Dördüncü düzey</a:t>
             </a:r>
           </a:p>
           <a:p>
             <a:pPr lvl="4"/>
             <a:r>
-              <a:rPr lang="tr-TR" smtClean="0"/>
+              <a:rPr lang="tr-TR"/>
               <a:t>Beşinci düzey</a:t>
             </a:r>
-            <a:endParaRPr lang="tr-TR"/>
           </a:p>
         </p:txBody>
       </p:sp>
@@ -3338,7 +3310,7 @@
           <a:p>
             <a:pPr lvl="0"/>
             <a:r>
-              <a:rPr lang="tr-TR" smtClean="0"/>
+              <a:rPr lang="tr-TR"/>
               <a:t>Asıl metin stillerini düzenlemek için tıklatın</a:t>
             </a:r>
           </a:p>
@@ -3361,7 +3333,7 @@
           <a:p>
             <a:fld id="{A23720DD-5B6D-40BF-8493-A6B52D484E6B}" type="datetimeFigureOut">
               <a:rPr lang="tr-TR" smtClean="0"/>
-              <a:t>21.11.2024</a:t>
+              <a:t>30.11.2024</a:t>
             </a:fld>
             <a:endParaRPr lang="tr-TR"/>
           </a:p>
@@ -3459,10 +3431,9 @@
           </a:lstStyle>
           <a:p>
             <a:r>
-              <a:rPr lang="tr-TR" smtClean="0"/>
+              <a:rPr lang="tr-TR"/>
               <a:t>Asıl başlık stili için tıklatın</a:t>
             </a:r>
-            <a:endParaRPr lang="tr-TR"/>
           </a:p>
         </p:txBody>
       </p:sp>
@@ -3586,7 +3557,7 @@
           <a:p>
             <a:pPr lvl="0"/>
             <a:r>
-              <a:rPr lang="tr-TR" smtClean="0"/>
+              <a:rPr lang="tr-TR"/>
               <a:t>Asıl metin stillerini düzenlemek için tıklatın</a:t>
             </a:r>
           </a:p>
@@ -3609,7 +3580,7 @@
           <a:p>
             <a:fld id="{A23720DD-5B6D-40BF-8493-A6B52D484E6B}" type="datetimeFigureOut">
               <a:rPr lang="tr-TR" smtClean="0"/>
-              <a:t>21.11.2024</a:t>
+              <a:t>30.11.2024</a:t>
             </a:fld>
             <a:endParaRPr lang="tr-TR"/>
           </a:p>
@@ -3718,10 +3689,9 @@
           <a:lstStyle/>
           <a:p>
             <a:r>
-              <a:rPr lang="tr-TR" smtClean="0"/>
+              <a:rPr lang="tr-TR"/>
               <a:t>Asıl başlık stili için tıklatın</a:t>
             </a:r>
-            <a:endParaRPr lang="tr-TR"/>
           </a:p>
         </p:txBody>
       </p:sp>
@@ -3752,38 +3722,37 @@
           <a:p>
             <a:pPr lvl="0"/>
             <a:r>
-              <a:rPr lang="tr-TR" smtClean="0"/>
+              <a:rPr lang="tr-TR"/>
               <a:t>Asıl metin stillerini düzenlemek için tıklatın</a:t>
             </a:r>
           </a:p>
           <a:p>
             <a:pPr lvl="1"/>
             <a:r>
-              <a:rPr lang="tr-TR" smtClean="0"/>
+              <a:rPr lang="tr-TR"/>
               <a:t>İkinci düzey</a:t>
             </a:r>
           </a:p>
           <a:p>
             <a:pPr lvl="2"/>
             <a:r>
-              <a:rPr lang="tr-TR" smtClean="0"/>
+              <a:rPr lang="tr-TR"/>
               <a:t>Üçüncü düzey</a:t>
             </a:r>
           </a:p>
           <a:p>
             <a:pPr lvl="3"/>
             <a:r>
-              <a:rPr lang="tr-TR" smtClean="0"/>
+              <a:rPr lang="tr-TR"/>
               <a:t>Dördüncü düzey</a:t>
             </a:r>
           </a:p>
           <a:p>
             <a:pPr lvl="4"/>
             <a:r>
-              <a:rPr lang="tr-TR" smtClean="0"/>
+              <a:rPr lang="tr-TR"/>
               <a:t>Beşinci düzey</a:t>
             </a:r>
-            <a:endParaRPr lang="tr-TR"/>
           </a:p>
         </p:txBody>
       </p:sp>
@@ -3822,7 +3791,7 @@
           <a:p>
             <a:fld id="{A23720DD-5B6D-40BF-8493-A6B52D484E6B}" type="datetimeFigureOut">
               <a:rPr lang="tr-TR" smtClean="0"/>
-              <a:t>21.11.2024</a:t>
+              <a:t>30.11.2024</a:t>
             </a:fld>
             <a:endParaRPr lang="tr-TR"/>
           </a:p>
@@ -4246,7 +4215,7 @@
           <a:p>
             <a:pPr algn="r"/>
             <a:r>
-              <a:rPr lang="tr-TR" sz="3600" smtClean="0">
+              <a:rPr lang="tr-TR" sz="3600">
                 <a:solidFill>
                   <a:schemeClr val="tx1">
                     <a:lumMod val="65000"/>
@@ -4257,7 +4226,7 @@
               <a:t>BM</a:t>
             </a:r>
             <a:r>
-              <a:rPr lang="en-US" sz="3600" smtClean="0">
+              <a:rPr lang="en-US" sz="3600">
                 <a:solidFill>
                   <a:schemeClr val="tx1">
                     <a:lumMod val="65000"/>
@@ -4268,7 +4237,7 @@
               <a:t>B3015</a:t>
             </a:r>
             <a:r>
-              <a:rPr lang="tr-TR" sz="3600" smtClean="0">
+              <a:rPr lang="tr-TR" sz="3600">
                 <a:solidFill>
                   <a:schemeClr val="tx1">
                     <a:lumMod val="65000"/>
@@ -4277,17 +4246,6 @@
                 </a:solidFill>
               </a:rPr>
               <a:t> </a:t>
-            </a:r>
-            <a:r>
-              <a:rPr lang="tr-TR" sz="3600" dirty="0">
-                <a:solidFill>
-                  <a:schemeClr val="tx1">
-                    <a:lumMod val="65000"/>
-                    <a:lumOff val="35000"/>
-                  </a:schemeClr>
-                </a:solidFill>
-              </a:rPr>
-              <a:t/>
             </a:r>
             <a:br>
               <a:rPr lang="tr-TR" sz="3600" dirty="0">
@@ -4308,18 +4266,7 @@
                   </a:schemeClr>
                 </a:solidFill>
               </a:rPr>
-              <a:t>ARTIFICIAL </a:t>
-            </a:r>
-            <a:r>
-              <a:rPr lang="tr-TR" sz="3600" smtClean="0">
-                <a:solidFill>
-                  <a:schemeClr val="tx1">
-                    <a:lumMod val="65000"/>
-                    <a:lumOff val="35000"/>
-                  </a:schemeClr>
-                </a:solidFill>
-              </a:rPr>
-              <a:t>INTELLIGENCE</a:t>
+              <a:t>ARTIFICIAL INTELLIGENCE</a:t>
             </a:r>
             <a:endParaRPr lang="tr-TR" sz="3600" dirty="0">
               <a:solidFill>
@@ -4356,7 +4303,7 @@
           <a:p>
             <a:pPr algn="l"/>
             <a:r>
-              <a:rPr lang="en-US" sz="2800" smtClean="0">
+              <a:rPr lang="en-US" sz="2800">
                 <a:solidFill>
                   <a:schemeClr val="tx1">
                     <a:lumMod val="50000"/>
@@ -4482,13 +4429,6 @@
   <p:clrMapOvr>
     <a:masterClrMapping/>
   </p:clrMapOvr>
-  <p:timing>
-    <p:tnLst>
-      <p:par>
-        <p:cTn id="1" dur="indefinite" restart="never" nodeType="tmRoot"/>
-      </p:par>
-    </p:tnLst>
-  </p:timing>
 </p:sld>
 </file>
 
@@ -4525,11 +4465,11 @@
           <a:lstStyle/>
           <a:p>
             <a:r>
-              <a:rPr lang="tr-TR" dirty="0" smtClean="0"/>
+              <a:rPr lang="tr-TR" dirty="0"/>
               <a:t>d-</a:t>
             </a:r>
             <a:r>
-              <a:rPr lang="tr-TR" dirty="0" err="1" smtClean="0"/>
+              <a:rPr lang="tr-TR" dirty="0" err="1"/>
               <a:t>Separation</a:t>
             </a:r>
             <a:endParaRPr lang="tr-TR" dirty="0"/>
@@ -4561,20 +4501,16 @@
                   </a:lnSpc>
                 </a:pPr>
                 <a:r>
-                  <a:rPr lang="tr-TR" dirty="0" smtClean="0"/>
+                  <a:rPr lang="tr-TR" dirty="0"/>
                   <a:t>A </a:t>
                 </a:r>
                 <a:r>
-                  <a:rPr lang="tr-TR" dirty="0" err="1" smtClean="0"/>
+                  <a:rPr lang="tr-TR" dirty="0" err="1"/>
                   <a:t>study</a:t>
                 </a:r>
                 <a:r>
-                  <a:rPr lang="tr-TR" dirty="0" smtClean="0"/>
-                  <a:t> </a:t>
-                </a:r>
-                <a:r>
                   <a:rPr lang="tr-TR" dirty="0"/>
-                  <a:t>of </a:t>
+                  <a:t> of </a:t>
                 </a:r>
                 <a:r>
                   <a:rPr lang="tr-TR" dirty="0" err="1"/>
@@ -4585,7 +4521,7 @@
                   <a:t> </a:t>
                 </a:r>
                 <a:r>
-                  <a:rPr lang="tr-TR" dirty="0" err="1" smtClean="0"/>
+                  <a:rPr lang="tr-TR" dirty="0" err="1"/>
                   <a:t>independence</a:t>
                 </a:r>
                 <a:endParaRPr lang="tr-TR" dirty="0"/>
@@ -4597,47 +4533,47 @@
                   </a:lnSpc>
                 </a:pPr>
                 <a:r>
-                  <a:rPr lang="tr-TR" dirty="0" smtClean="0"/>
+                  <a:rPr lang="tr-TR" dirty="0"/>
                   <a:t>d-</a:t>
                 </a:r>
                 <a:r>
-                  <a:rPr lang="tr-TR" dirty="0" err="1" smtClean="0"/>
+                  <a:rPr lang="tr-TR" dirty="0" err="1"/>
                   <a:t>separation</a:t>
                 </a:r>
                 <a:r>
-                  <a:rPr lang="tr-TR" dirty="0" smtClean="0"/>
+                  <a:rPr lang="tr-TR" dirty="0"/>
                   <a:t> is </a:t>
                 </a:r>
                 <a:r>
-                  <a:rPr lang="tr-TR" dirty="0" err="1" smtClean="0"/>
+                  <a:rPr lang="tr-TR" dirty="0" err="1"/>
                   <a:t>the</a:t>
                 </a:r>
                 <a:r>
-                  <a:rPr lang="tr-TR" dirty="0" smtClean="0"/>
+                  <a:rPr lang="tr-TR" dirty="0"/>
                   <a:t> </a:t>
                 </a:r>
                 <a:r>
-                  <a:rPr lang="tr-TR" dirty="0" err="1" smtClean="0"/>
+                  <a:rPr lang="tr-TR" dirty="0" err="1"/>
                   <a:t>criteria</a:t>
                 </a:r>
                 <a:r>
-                  <a:rPr lang="tr-TR" dirty="0" smtClean="0"/>
+                  <a:rPr lang="tr-TR" dirty="0"/>
                   <a:t> </a:t>
                 </a:r>
                 <a:r>
-                  <a:rPr lang="tr-TR" dirty="0" err="1" smtClean="0"/>
+                  <a:rPr lang="tr-TR" dirty="0" err="1"/>
                   <a:t>for</a:t>
                 </a:r>
                 <a:r>
-                  <a:rPr lang="tr-TR" dirty="0" smtClean="0"/>
+                  <a:rPr lang="tr-TR" dirty="0"/>
                   <a:t> </a:t>
                 </a:r>
                 <a:r>
-                  <a:rPr lang="tr-TR" dirty="0" err="1" smtClean="0"/>
+                  <a:rPr lang="tr-TR" dirty="0" err="1"/>
                   <a:t>deciding</a:t>
                 </a:r>
                 <a:r>
-                  <a:rPr lang="tr-TR" dirty="0" smtClean="0"/>
+                  <a:rPr lang="tr-TR" dirty="0"/>
                   <a:t> </a:t>
                 </a:r>
               </a:p>
@@ -4648,71 +4584,67 @@
                   </a:lnSpc>
                 </a:pPr>
                 <a:r>
-                  <a:rPr lang="tr-TR" dirty="0" err="1" smtClean="0"/>
+                  <a:rPr lang="tr-TR" dirty="0" err="1"/>
                   <a:t>whether</a:t>
                 </a:r>
                 <a:r>
-                  <a:rPr lang="tr-TR" dirty="0" smtClean="0"/>
+                  <a:rPr lang="tr-TR" dirty="0"/>
                   <a:t> a set of </a:t>
                 </a:r>
                 <a:r>
-                  <a:rPr lang="tr-TR" dirty="0" err="1" smtClean="0"/>
+                  <a:rPr lang="tr-TR" dirty="0" err="1"/>
                   <a:t>variables</a:t>
                 </a:r>
                 <a:r>
-                  <a:rPr lang="tr-TR" dirty="0" smtClean="0"/>
+                  <a:rPr lang="tr-TR" dirty="0"/>
+                  <a:t> X is </a:t>
+                </a:r>
+                <a:r>
+                  <a:rPr lang="tr-TR" dirty="0" err="1"/>
+                  <a:t>independent</a:t>
+                </a:r>
+                <a:r>
+                  <a:rPr lang="tr-TR" dirty="0"/>
+                  <a:t> of </a:t>
+                </a:r>
+                <a:r>
+                  <a:rPr lang="tr-TR" dirty="0" err="1"/>
+                  <a:t>another</a:t>
+                </a:r>
+                <a:r>
+                  <a:rPr lang="tr-TR" dirty="0"/>
+                  <a:t> set Y, </a:t>
+                </a:r>
+                <a:r>
+                  <a:rPr lang="tr-TR" dirty="0" err="1"/>
+                  <a:t>given</a:t>
+                </a:r>
+                <a:r>
+                  <a:rPr lang="tr-TR" dirty="0"/>
+                  <a:t> a </a:t>
+                </a:r>
+                <a:r>
+                  <a:rPr lang="tr-TR" dirty="0" err="1"/>
+                  <a:t>third</a:t>
+                </a:r>
+                <a:r>
+                  <a:rPr lang="tr-TR" dirty="0"/>
+                  <a:t> set Z in a </a:t>
+                </a:r>
+                <a:r>
+                  <a:rPr lang="tr-TR" dirty="0" err="1"/>
+                  <a:t>causal</a:t>
+                </a:r>
+                <a:r>
+                  <a:rPr lang="tr-TR" dirty="0"/>
                   <a:t> </a:t>
                 </a:r>
                 <a:r>
+                  <a:rPr lang="tr-TR" dirty="0" err="1"/>
+                  <a:t>graph</a:t>
+                </a:r>
+                <a:r>
                   <a:rPr lang="tr-TR" dirty="0"/>
-                  <a:t>X is </a:t>
-                </a:r>
-                <a:r>
-                  <a:rPr lang="tr-TR" dirty="0" err="1" smtClean="0"/>
-                  <a:t>independent</a:t>
-                </a:r>
-                <a:r>
-                  <a:rPr lang="tr-TR" dirty="0" smtClean="0"/>
-                  <a:t> of </a:t>
-                </a:r>
-                <a:r>
-                  <a:rPr lang="tr-TR" dirty="0" err="1" smtClean="0"/>
-                  <a:t>another</a:t>
-                </a:r>
-                <a:r>
-                  <a:rPr lang="tr-TR" dirty="0" smtClean="0"/>
-                  <a:t> set Y, </a:t>
-                </a:r>
-                <a:r>
-                  <a:rPr lang="tr-TR" dirty="0" err="1" smtClean="0"/>
-                  <a:t>given</a:t>
-                </a:r>
-                <a:r>
-                  <a:rPr lang="tr-TR" dirty="0" smtClean="0"/>
-                  <a:t> a </a:t>
-                </a:r>
-                <a:r>
-                  <a:rPr lang="tr-TR" dirty="0" err="1" smtClean="0"/>
-                  <a:t>third</a:t>
-                </a:r>
-                <a:r>
-                  <a:rPr lang="tr-TR" dirty="0" smtClean="0"/>
-                  <a:t> set Z in a </a:t>
-                </a:r>
-                <a:r>
-                  <a:rPr lang="tr-TR" dirty="0" err="1" smtClean="0"/>
-                  <a:t>causal</a:t>
-                </a:r>
-                <a:r>
-                  <a:rPr lang="tr-TR" dirty="0" smtClean="0"/>
-                  <a:t> </a:t>
-                </a:r>
-                <a:r>
-                  <a:rPr lang="tr-TR" dirty="0" err="1" smtClean="0"/>
-                  <a:t>graph</a:t>
-                </a:r>
-                <a:r>
-                  <a:rPr lang="tr-TR" dirty="0" smtClean="0"/>
                   <a:t> </a:t>
                 </a:r>
               </a:p>
@@ -4722,7 +4654,7 @@
                     <a:spcPct val="110000"/>
                   </a:lnSpc>
                 </a:pPr>
-                <a:endParaRPr lang="tr-TR" dirty="0" smtClean="0"/>
+                <a:endParaRPr lang="tr-TR" dirty="0"/>
               </a:p>
               <a:p>
                 <a:pPr lvl="1">
@@ -4943,7 +4875,7 @@
                   <a:buFont typeface="Wingdings" panose="05000000000000000000" pitchFamily="2" charset="2"/>
                   <a:buChar char="Ø"/>
                 </a:pPr>
-                <a:endParaRPr lang="tr-TR" dirty="0" smtClean="0"/>
+                <a:endParaRPr lang="tr-TR" dirty="0"/>
               </a:p>
             </p:txBody>
           </p:sp>
@@ -5430,19 +5362,19 @@
           <a:lstStyle/>
           <a:p>
             <a:r>
-              <a:rPr lang="tr-TR" dirty="0" smtClean="0"/>
+              <a:rPr lang="tr-TR" dirty="0"/>
               <a:t>Active (</a:t>
             </a:r>
             <a:r>
-              <a:rPr lang="tr-TR" dirty="0" err="1" smtClean="0"/>
+              <a:rPr lang="tr-TR" dirty="0" err="1"/>
               <a:t>Dependent</a:t>
             </a:r>
             <a:r>
-              <a:rPr lang="tr-TR" dirty="0" smtClean="0"/>
+              <a:rPr lang="tr-TR" dirty="0"/>
               <a:t>) </a:t>
             </a:r>
             <a:r>
-              <a:rPr lang="tr-TR" dirty="0" err="1" smtClean="0"/>
+              <a:rPr lang="tr-TR" dirty="0" err="1"/>
               <a:t>Triplets</a:t>
             </a:r>
             <a:endParaRPr lang="tr-TR" dirty="0"/>
@@ -5476,14 +5408,14 @@
               <a:buAutoNum type="arabicParenR"/>
             </a:pPr>
             <a:r>
-              <a:rPr lang="tr-TR" dirty="0" smtClean="0"/>
+              <a:rPr lang="tr-TR" dirty="0"/>
               <a:t>A,B,C -&gt; </a:t>
             </a:r>
             <a:r>
-              <a:rPr lang="tr-TR" dirty="0" err="1" smtClean="0"/>
+              <a:rPr lang="tr-TR" dirty="0" err="1"/>
               <a:t>dependent</a:t>
             </a:r>
-            <a:endParaRPr lang="tr-TR" dirty="0" smtClean="0"/>
+            <a:endParaRPr lang="tr-TR" dirty="0"/>
           </a:p>
           <a:p>
             <a:pPr marL="514350" indent="-514350">
@@ -5497,7 +5429,7 @@
               <a:buFont typeface="+mj-lt"/>
               <a:buAutoNum type="arabicParenR"/>
             </a:pPr>
-            <a:endParaRPr lang="tr-TR" dirty="0" smtClean="0"/>
+            <a:endParaRPr lang="tr-TR" dirty="0"/>
           </a:p>
           <a:p>
             <a:pPr marL="514350" indent="-514350">
@@ -5513,13 +5445,6 @@
               <a:t>dependent</a:t>
             </a:r>
             <a:endParaRPr lang="tr-TR" dirty="0"/>
-          </a:p>
-          <a:p>
-            <a:pPr marL="514350" indent="-514350">
-              <a:buFont typeface="+mj-lt"/>
-              <a:buAutoNum type="arabicParenR"/>
-            </a:pPr>
-            <a:endParaRPr lang="tr-TR" dirty="0" smtClean="0"/>
           </a:p>
           <a:p>
             <a:pPr marL="514350" indent="-514350">
@@ -5533,8 +5458,15 @@
               <a:buFont typeface="+mj-lt"/>
               <a:buAutoNum type="arabicParenR"/>
             </a:pPr>
-            <a:r>
-              <a:rPr lang="tr-TR" dirty="0" smtClean="0"/>
+            <a:endParaRPr lang="tr-TR" dirty="0"/>
+          </a:p>
+          <a:p>
+            <a:pPr marL="514350" indent="-514350">
+              <a:buFont typeface="+mj-lt"/>
+              <a:buAutoNum type="arabicParenR"/>
+            </a:pPr>
+            <a:r>
+              <a:rPr lang="tr-TR" dirty="0"/>
               <a:t>A,C |B -&gt; </a:t>
             </a:r>
             <a:r>
@@ -5650,7 +5582,7 @@
           <a:p>
             <a:pPr algn="ctr"/>
             <a:r>
-              <a:rPr lang="tr-TR" sz="2800" b="1" dirty="0" smtClean="0">
+              <a:rPr lang="tr-TR" sz="2800" b="1" dirty="0">
                 <a:solidFill>
                   <a:schemeClr val="accent5">
                     <a:lumMod val="75000"/>
@@ -5659,13 +5591,6 @@
               </a:rPr>
               <a:t>B</a:t>
             </a:r>
-            <a:endParaRPr lang="tr-TR" sz="2800" b="1" dirty="0">
-              <a:solidFill>
-                <a:schemeClr val="accent5">
-                  <a:lumMod val="75000"/>
-                </a:schemeClr>
-              </a:solidFill>
-            </a:endParaRPr>
           </a:p>
         </p:txBody>
       </p:sp>
@@ -5891,7 +5816,7 @@
           <a:p>
             <a:pPr algn="ctr"/>
             <a:r>
-              <a:rPr lang="tr-TR" sz="2800" b="1" dirty="0" smtClean="0">
+              <a:rPr lang="tr-TR" sz="2800" b="1" dirty="0">
                 <a:solidFill>
                   <a:schemeClr val="accent5">
                     <a:lumMod val="75000"/>
@@ -5900,13 +5825,6 @@
               </a:rPr>
               <a:t>B</a:t>
             </a:r>
-            <a:endParaRPr lang="tr-TR" sz="2800" b="1" dirty="0">
-              <a:solidFill>
-                <a:schemeClr val="accent5">
-                  <a:lumMod val="75000"/>
-                </a:schemeClr>
-              </a:solidFill>
-            </a:endParaRPr>
           </a:p>
         </p:txBody>
       </p:sp>
@@ -6140,7 +6058,7 @@
           <a:p>
             <a:pPr algn="ctr"/>
             <a:r>
-              <a:rPr lang="tr-TR" sz="2800" b="1" dirty="0" smtClean="0">
+              <a:rPr lang="tr-TR" sz="2800" b="1" dirty="0">
                 <a:solidFill>
                   <a:schemeClr val="accent5">
                     <a:lumMod val="75000"/>
@@ -6149,13 +6067,6 @@
               </a:rPr>
               <a:t>B</a:t>
             </a:r>
-            <a:endParaRPr lang="tr-TR" sz="2800" b="1" dirty="0">
-              <a:solidFill>
-                <a:schemeClr val="accent5">
-                  <a:lumMod val="75000"/>
-                </a:schemeClr>
-              </a:solidFill>
-            </a:endParaRPr>
           </a:p>
         </p:txBody>
       </p:sp>
@@ -6345,10 +6256,9 @@
           <a:p>
             <a:pPr algn="ctr"/>
             <a:r>
-              <a:rPr lang="tr-TR" b="1" dirty="0" smtClean="0"/>
+              <a:rPr lang="tr-TR" b="1" dirty="0"/>
               <a:t>KNOWN</a:t>
             </a:r>
-            <a:endParaRPr lang="tr-TR" b="1" dirty="0"/>
           </a:p>
         </p:txBody>
       </p:sp>
@@ -6422,13 +6332,6 @@
   <p:clrMapOvr>
     <a:masterClrMapping/>
   </p:clrMapOvr>
-  <p:timing>
-    <p:tnLst>
-      <p:par>
-        <p:cTn id="1" dur="indefinite" restart="never" nodeType="tmRoot"/>
-      </p:par>
-    </p:tnLst>
-  </p:timing>
 </p:sld>
 </file>
 
@@ -6465,19 +6368,19 @@
           <a:lstStyle/>
           <a:p>
             <a:r>
-              <a:rPr lang="tr-TR" dirty="0" smtClean="0"/>
+              <a:rPr lang="tr-TR" dirty="0"/>
               <a:t>Active (</a:t>
             </a:r>
             <a:r>
-              <a:rPr lang="tr-TR" dirty="0" err="1" smtClean="0"/>
+              <a:rPr lang="tr-TR" dirty="0" err="1"/>
               <a:t>Dependent</a:t>
             </a:r>
             <a:r>
-              <a:rPr lang="tr-TR" dirty="0" smtClean="0"/>
+              <a:rPr lang="tr-TR" dirty="0"/>
               <a:t>) </a:t>
             </a:r>
             <a:r>
-              <a:rPr lang="tr-TR" dirty="0" err="1" smtClean="0"/>
+              <a:rPr lang="tr-TR" dirty="0" err="1"/>
               <a:t>Triplets</a:t>
             </a:r>
             <a:endParaRPr lang="tr-TR" dirty="0"/>
@@ -6515,74 +6418,74 @@
           <a:p>
             <a:pPr algn="just"/>
             <a:r>
-              <a:rPr lang="tr-TR" sz="2800" dirty="0" err="1" smtClean="0"/>
+              <a:rPr lang="tr-TR" sz="2800" dirty="0" err="1"/>
               <a:t>Knowing</a:t>
             </a:r>
             <a:r>
-              <a:rPr lang="tr-TR" sz="2800" dirty="0" smtClean="0"/>
+              <a:rPr lang="tr-TR" sz="2800" dirty="0"/>
               <a:t> X </a:t>
             </a:r>
             <a:r>
-              <a:rPr lang="tr-TR" sz="2800" dirty="0" err="1" smtClean="0"/>
+              <a:rPr lang="tr-TR" sz="2800" dirty="0" err="1"/>
               <a:t>will</a:t>
             </a:r>
             <a:r>
-              <a:rPr lang="tr-TR" sz="2800" dirty="0" smtClean="0"/>
+              <a:rPr lang="tr-TR" sz="2800" dirty="0"/>
               <a:t> </a:t>
             </a:r>
             <a:r>
-              <a:rPr lang="tr-TR" sz="2800" dirty="0" err="1" smtClean="0"/>
+              <a:rPr lang="tr-TR" sz="2800" dirty="0" err="1"/>
               <a:t>affect</a:t>
             </a:r>
             <a:r>
-              <a:rPr lang="tr-TR" sz="2800" dirty="0" smtClean="0"/>
+              <a:rPr lang="tr-TR" sz="2800" dirty="0"/>
               <a:t> </a:t>
             </a:r>
             <a:r>
-              <a:rPr lang="tr-TR" sz="2800" dirty="0" err="1" smtClean="0"/>
+              <a:rPr lang="tr-TR" sz="2800" dirty="0" err="1"/>
               <a:t>all</a:t>
             </a:r>
             <a:r>
-              <a:rPr lang="tr-TR" sz="2800" dirty="0" smtClean="0"/>
+              <a:rPr lang="tr-TR" sz="2800" dirty="0"/>
               <a:t> </a:t>
             </a:r>
             <a:r>
-              <a:rPr lang="tr-TR" sz="2800" err="1" smtClean="0"/>
+              <a:rPr lang="tr-TR" sz="2800" err="1"/>
               <a:t>above</a:t>
             </a:r>
             <a:r>
-              <a:rPr lang="tr-TR" sz="2800" smtClean="0"/>
+              <a:rPr lang="tr-TR" sz="2800"/>
               <a:t> variables </a:t>
             </a:r>
             <a:r>
-              <a:rPr lang="tr-TR" sz="2800" dirty="0" err="1" smtClean="0"/>
+              <a:rPr lang="tr-TR" sz="2800" dirty="0" err="1"/>
               <a:t>and</a:t>
             </a:r>
             <a:r>
-              <a:rPr lang="tr-TR" sz="2800" dirty="0" smtClean="0"/>
+              <a:rPr lang="tr-TR" sz="2800" dirty="0"/>
               <a:t> </a:t>
             </a:r>
             <a:r>
-              <a:rPr lang="tr-TR" sz="2800" dirty="0" err="1" smtClean="0"/>
+              <a:rPr lang="tr-TR" sz="2800" dirty="0" err="1"/>
               <a:t>make</a:t>
             </a:r>
             <a:r>
-              <a:rPr lang="tr-TR" sz="2800" dirty="0" smtClean="0"/>
+              <a:rPr lang="tr-TR" sz="2800" dirty="0"/>
               <a:t> </a:t>
             </a:r>
             <a:r>
-              <a:rPr lang="tr-TR" sz="2800" err="1" smtClean="0"/>
+              <a:rPr lang="tr-TR" sz="2800" err="1"/>
               <a:t>them</a:t>
             </a:r>
             <a:r>
-              <a:rPr lang="tr-TR" sz="2800" smtClean="0"/>
+              <a:rPr lang="tr-TR" sz="2800"/>
               <a:t> dependent</a:t>
             </a:r>
             <a:r>
               <a:rPr lang="en-US" sz="2800" dirty="0"/>
               <a:t>,</a:t>
             </a:r>
-            <a:endParaRPr lang="tr-TR" sz="2800" dirty="0" smtClean="0"/>
+            <a:endParaRPr lang="tr-TR" sz="2800" dirty="0"/>
           </a:p>
           <a:p>
             <a:pPr marL="0" indent="0" algn="just">
@@ -6595,31 +6498,31 @@
               <a:buNone/>
             </a:pPr>
             <a:r>
-              <a:rPr lang="tr-TR" sz="2800" dirty="0" smtClean="0"/>
+              <a:rPr lang="tr-TR" sz="2800" dirty="0"/>
               <a:t>    </a:t>
             </a:r>
             <a:r>
-              <a:rPr lang="tr-TR" sz="2800" smtClean="0"/>
+              <a:rPr lang="tr-TR" sz="2800"/>
               <a:t>A,</a:t>
             </a:r>
             <a:r>
-              <a:rPr lang="en-US" sz="2800" smtClean="0"/>
+              <a:rPr lang="en-US" sz="2800"/>
               <a:t> </a:t>
             </a:r>
             <a:r>
-              <a:rPr lang="tr-TR" sz="2800" smtClean="0"/>
+              <a:rPr lang="tr-TR" sz="2800"/>
               <a:t>B,</a:t>
             </a:r>
             <a:r>
-              <a:rPr lang="en-US" sz="2800" smtClean="0"/>
+              <a:rPr lang="en-US" sz="2800"/>
               <a:t> </a:t>
             </a:r>
             <a:r>
-              <a:rPr lang="tr-TR" sz="2800" smtClean="0"/>
+              <a:rPr lang="tr-TR" sz="2800"/>
               <a:t>C </a:t>
             </a:r>
             <a:r>
-              <a:rPr lang="tr-TR" sz="2800" dirty="0" smtClean="0"/>
+              <a:rPr lang="tr-TR" sz="2800" dirty="0"/>
               <a:t>| X -&gt; </a:t>
             </a:r>
             <a:r>
@@ -6685,7 +6588,7 @@
           <a:p>
             <a:pPr algn="ctr"/>
             <a:r>
-              <a:rPr lang="tr-TR" sz="2800" b="1" dirty="0" smtClean="0">
+              <a:rPr lang="tr-TR" sz="2800" b="1" dirty="0">
                 <a:solidFill>
                   <a:schemeClr val="accent5">
                     <a:lumMod val="75000"/>
@@ -6694,13 +6597,6 @@
               </a:rPr>
               <a:t>X</a:t>
             </a:r>
-            <a:endParaRPr lang="tr-TR" sz="2800" b="1" dirty="0">
-              <a:solidFill>
-                <a:schemeClr val="accent5">
-                  <a:lumMod val="75000"/>
-                </a:schemeClr>
-              </a:solidFill>
-            </a:endParaRPr>
           </a:p>
         </p:txBody>
       </p:sp>
@@ -6763,10 +6659,9 @@
           <a:p>
             <a:pPr algn="ctr"/>
             <a:r>
-              <a:rPr lang="tr-TR" b="1" dirty="0" smtClean="0"/>
+              <a:rPr lang="tr-TR" b="1" dirty="0"/>
               <a:t>KNOWN</a:t>
             </a:r>
-            <a:endParaRPr lang="tr-TR" b="1" dirty="0"/>
           </a:p>
         </p:txBody>
       </p:sp>
@@ -6868,7 +6763,7 @@
           <a:p>
             <a:pPr algn="ctr"/>
             <a:r>
-              <a:rPr lang="tr-TR" sz="2800" b="1" dirty="0" smtClean="0">
+              <a:rPr lang="tr-TR" sz="2800" b="1" dirty="0">
                 <a:solidFill>
                   <a:schemeClr val="accent5">
                     <a:lumMod val="75000"/>
@@ -6877,13 +6772,6 @@
               </a:rPr>
               <a:t>B</a:t>
             </a:r>
-            <a:endParaRPr lang="tr-TR" sz="2800" b="1" dirty="0">
-              <a:solidFill>
-                <a:schemeClr val="accent5">
-                  <a:lumMod val="75000"/>
-                </a:schemeClr>
-              </a:solidFill>
-            </a:endParaRPr>
           </a:p>
         </p:txBody>
       </p:sp>
@@ -7033,7 +6921,7 @@
           <a:p>
             <a:pPr algn="ctr"/>
             <a:r>
-              <a:rPr lang="tr-TR" sz="2800" b="1" dirty="0" smtClean="0">
+              <a:rPr lang="tr-TR" sz="2800" b="1" dirty="0">
                 <a:solidFill>
                   <a:schemeClr val="accent5">
                     <a:lumMod val="75000"/>
@@ -7046,7 +6934,7 @@
           <a:p>
             <a:pPr algn="ctr"/>
             <a:r>
-              <a:rPr lang="tr-TR" sz="2800" b="1" dirty="0" smtClean="0">
+              <a:rPr lang="tr-TR" sz="2800" b="1" dirty="0">
                 <a:solidFill>
                   <a:schemeClr val="accent5">
                     <a:lumMod val="75000"/>
@@ -7081,13 +6969,6 @@
   <p:clrMapOvr>
     <a:masterClrMapping/>
   </p:clrMapOvr>
-  <p:timing>
-    <p:tnLst>
-      <p:par>
-        <p:cTn id="1" dur="indefinite" restart="never" nodeType="tmRoot"/>
-      </p:par>
-    </p:tnLst>
-  </p:timing>
 </p:sld>
 </file>
 
@@ -7176,7 +7057,7 @@
                   <a:buAutoNum type="arabicParenR"/>
                 </a:pPr>
                 <a:r>
-                  <a:rPr lang="tr-TR" dirty="0" smtClean="0"/>
+                  <a:rPr lang="tr-TR" dirty="0"/>
                   <a:t>A</a:t>
                 </a:r>
                 <a14:m>
@@ -7190,7 +7071,7 @@
                   </m:oMath>
                 </a14:m>
                 <a:r>
-                  <a:rPr lang="tr-TR" dirty="0" smtClean="0"/>
+                  <a:rPr lang="tr-TR" dirty="0"/>
                   <a:t>C |B</a:t>
                 </a:r>
               </a:p>
@@ -7206,7 +7087,7 @@
                   <a:buFont typeface="+mj-lt"/>
                   <a:buAutoNum type="arabicParenR"/>
                 </a:pPr>
-                <a:endParaRPr lang="tr-TR" dirty="0" smtClean="0"/>
+                <a:endParaRPr lang="tr-TR" dirty="0"/>
               </a:p>
               <a:p>
                 <a:pPr marL="514350" indent="-514350">
@@ -7236,7 +7117,7 @@
                 <a:pPr marL="0" indent="0">
                   <a:buNone/>
                 </a:pPr>
-                <a:endParaRPr lang="tr-TR" dirty="0" smtClean="0"/>
+                <a:endParaRPr lang="tr-TR" dirty="0"/>
               </a:p>
               <a:p>
                 <a:pPr marL="514350" indent="-514350">
@@ -7251,7 +7132,7 @@
                   <a:buAutoNum type="arabicParenR" startAt="3"/>
                 </a:pPr>
                 <a:r>
-                  <a:rPr lang="tr-TR" dirty="0" smtClean="0"/>
+                  <a:rPr lang="tr-TR" dirty="0"/>
                   <a:t>A</a:t>
                 </a:r>
                 <a14:m>
@@ -7265,10 +7146,9 @@
                   </m:oMath>
                 </a14:m>
                 <a:r>
-                  <a:rPr lang="tr-TR" dirty="0" smtClean="0"/>
+                  <a:rPr lang="tr-TR" dirty="0"/>
                   <a:t>C</a:t>
                 </a:r>
-                <a:endParaRPr lang="tr-TR" dirty="0"/>
               </a:p>
             </p:txBody>
           </p:sp>
@@ -7767,7 +7647,7 @@
           <a:p>
             <a:pPr algn="ctr"/>
             <a:r>
-              <a:rPr lang="tr-TR" sz="2800" b="1" dirty="0" smtClean="0">
+              <a:rPr lang="tr-TR" sz="2800" b="1" dirty="0">
                 <a:solidFill>
                   <a:schemeClr val="accent5">
                     <a:lumMod val="75000"/>
@@ -7776,13 +7656,6 @@
               </a:rPr>
               <a:t>B</a:t>
             </a:r>
-            <a:endParaRPr lang="tr-TR" sz="2800" b="1" dirty="0">
-              <a:solidFill>
-                <a:schemeClr val="accent5">
-                  <a:lumMod val="75000"/>
-                </a:schemeClr>
-              </a:solidFill>
-            </a:endParaRPr>
           </a:p>
         </p:txBody>
       </p:sp>
@@ -7900,10 +7773,9 @@
           <a:p>
             <a:pPr algn="ctr"/>
             <a:r>
-              <a:rPr lang="tr-TR" b="1" dirty="0" smtClean="0"/>
+              <a:rPr lang="tr-TR" b="1" dirty="0"/>
               <a:t>KNOWN</a:t>
             </a:r>
-            <a:endParaRPr lang="tr-TR" b="1" dirty="0"/>
           </a:p>
         </p:txBody>
       </p:sp>
@@ -8015,7 +7887,7 @@
           <a:p>
             <a:pPr algn="ctr"/>
             <a:r>
-              <a:rPr lang="tr-TR" sz="2800" b="1" dirty="0" smtClean="0">
+              <a:rPr lang="tr-TR" sz="2800" b="1" dirty="0">
                 <a:solidFill>
                   <a:schemeClr val="accent5">
                     <a:lumMod val="75000"/>
@@ -8024,13 +7896,6 @@
               </a:rPr>
               <a:t>B</a:t>
             </a:r>
-            <a:endParaRPr lang="tr-TR" sz="2800" b="1" dirty="0">
-              <a:solidFill>
-                <a:schemeClr val="accent5">
-                  <a:lumMod val="75000"/>
-                </a:schemeClr>
-              </a:solidFill>
-            </a:endParaRPr>
           </a:p>
         </p:txBody>
       </p:sp>
@@ -8082,7 +7947,7 @@
           <a:p>
             <a:pPr algn="ctr"/>
             <a:r>
-              <a:rPr lang="tr-TR" sz="2800" b="1" dirty="0" smtClean="0">
+              <a:rPr lang="tr-TR" sz="2800" b="1" dirty="0">
                 <a:solidFill>
                   <a:schemeClr val="accent5">
                     <a:lumMod val="75000"/>
@@ -8091,13 +7956,6 @@
               </a:rPr>
               <a:t>B</a:t>
             </a:r>
-            <a:endParaRPr lang="tr-TR" sz="2800" b="1" dirty="0">
-              <a:solidFill>
-                <a:schemeClr val="accent5">
-                  <a:lumMod val="75000"/>
-                </a:schemeClr>
-              </a:solidFill>
-            </a:endParaRPr>
           </a:p>
         </p:txBody>
       </p:sp>
@@ -8179,13 +8037,6 @@
   <p:clrMapOvr>
     <a:masterClrMapping/>
   </p:clrMapOvr>
-  <p:timing>
-    <p:tnLst>
-      <p:par>
-        <p:cTn id="1" dur="indefinite" restart="never" nodeType="tmRoot"/>
-      </p:par>
-    </p:tnLst>
-  </p:timing>
 </p:sld>
 </file>
 
@@ -8222,7 +8073,7 @@
           <a:lstStyle/>
           <a:p>
             <a:r>
-              <a:rPr lang="en-US" dirty="0" smtClean="0"/>
+              <a:rPr lang="en-US" dirty="0"/>
               <a:t>d-Separation</a:t>
             </a:r>
             <a:r>
@@ -8291,14 +8142,11 @@
                   <a:t>           </a:t>
                 </a:r>
                 <a:r>
-                  <a:rPr lang="tr-TR" dirty="0" smtClean="0">
+                  <a:rPr lang="tr-TR" dirty="0">
                     <a:sym typeface="Wingdings" panose="05000000000000000000" pitchFamily="2" charset="2"/>
                   </a:rPr>
                   <a:t></a:t>
                 </a:r>
-                <a:endParaRPr lang="tr-TR" dirty="0">
-                  <a:sym typeface="Wingdings" panose="05000000000000000000" pitchFamily="2" charset="2"/>
-                </a:endParaRPr>
               </a:p>
               <a:p>
                 <a14:m>
@@ -8339,18 +8187,15 @@
                   </m:oMath>
                 </a14:m>
                 <a:r>
-                  <a:rPr lang="tr-TR" dirty="0" smtClean="0"/>
+                  <a:rPr lang="tr-TR" dirty="0"/>
                   <a:t>     </a:t>
                 </a:r>
                 <a:r>
-                  <a:rPr lang="tr-TR" dirty="0" smtClean="0">
+                  <a:rPr lang="tr-TR" dirty="0">
                     <a:sym typeface="Wingdings" panose="05000000000000000000" pitchFamily="2" charset="2"/>
                   </a:rPr>
                   <a:t></a:t>
                 </a:r>
-                <a:endParaRPr lang="tr-TR" dirty="0">
-                  <a:sym typeface="Wingdings" panose="05000000000000000000" pitchFamily="2" charset="2"/>
-                </a:endParaRPr>
               </a:p>
               <a:p>
                 <a14:m>
@@ -8391,18 +8236,15 @@
                   </m:oMath>
                 </a14:m>
                 <a:r>
-                  <a:rPr lang="tr-TR" dirty="0" smtClean="0"/>
+                  <a:rPr lang="tr-TR" dirty="0"/>
                   <a:t>     </a:t>
                 </a:r>
                 <a:r>
-                  <a:rPr lang="tr-TR" dirty="0" smtClean="0">
+                  <a:rPr lang="tr-TR" dirty="0">
                     <a:sym typeface="Wingdings" panose="05000000000000000000" pitchFamily="2" charset="2"/>
                   </a:rPr>
                   <a:t></a:t>
                 </a:r>
-                <a:endParaRPr lang="tr-TR" dirty="0">
-                  <a:sym typeface="Wingdings" panose="05000000000000000000" pitchFamily="2" charset="2"/>
-                </a:endParaRPr>
               </a:p>
               <a:p>
                 <a14:m>
@@ -8443,26 +8285,15 @@
                   </m:oMath>
                 </a14:m>
                 <a:r>
-                  <a:rPr lang="tr-TR" dirty="0" smtClean="0"/>
-                  <a:t> </a:t>
-                </a:r>
-                <a:r>
                   <a:rPr lang="tr-TR" dirty="0"/>
-                  <a:t>   </a:t>
-                </a:r>
-                <a:r>
-                  <a:rPr lang="tr-TR" dirty="0" smtClean="0"/>
-                  <a:t> </a:t>
-                </a:r>
-                <a:r>
-                  <a:rPr lang="tr-TR" dirty="0" smtClean="0">
+                  <a:t>     </a:t>
+                </a:r>
+                <a:r>
+                  <a:rPr lang="tr-TR" dirty="0">
                     <a:sym typeface="Wingdings" panose="05000000000000000000" pitchFamily="2" charset="2"/>
                   </a:rPr>
                   <a:t></a:t>
                 </a:r>
-                <a:endParaRPr lang="tr-TR" dirty="0">
-                  <a:sym typeface="Wingdings" panose="05000000000000000000" pitchFamily="2" charset="2"/>
-                </a:endParaRPr>
               </a:p>
               <a:p>
                 <a:endParaRPr lang="tr-TR" dirty="0"/>
@@ -8551,7 +8382,7 @@
           <a:p>
             <a:pPr algn="ctr"/>
             <a:r>
-              <a:rPr lang="tr-TR" sz="2800" b="1" dirty="0" smtClean="0">
+              <a:rPr lang="tr-TR" sz="2800" b="1" dirty="0">
                 <a:solidFill>
                   <a:schemeClr val="accent5">
                     <a:lumMod val="75000"/>
@@ -8560,13 +8391,6 @@
               </a:rPr>
               <a:t>H</a:t>
             </a:r>
-            <a:endParaRPr lang="tr-TR" sz="2800" b="1" dirty="0">
-              <a:solidFill>
-                <a:schemeClr val="accent5">
-                  <a:lumMod val="75000"/>
-                </a:schemeClr>
-              </a:solidFill>
-            </a:endParaRPr>
           </a:p>
         </p:txBody>
       </p:sp>
@@ -8613,7 +8437,7 @@
           <a:p>
             <a:pPr algn="ctr"/>
             <a:r>
-              <a:rPr lang="tr-TR" sz="2800" b="1" dirty="0" smtClean="0">
+              <a:rPr lang="tr-TR" sz="2800" b="1" dirty="0">
                 <a:solidFill>
                   <a:schemeClr val="accent5">
                     <a:lumMod val="75000"/>
@@ -8622,13 +8446,6 @@
               </a:rPr>
               <a:t>G</a:t>
             </a:r>
-            <a:endParaRPr lang="tr-TR" sz="2800" b="1" dirty="0">
-              <a:solidFill>
-                <a:schemeClr val="accent5">
-                  <a:lumMod val="75000"/>
-                </a:schemeClr>
-              </a:solidFill>
-            </a:endParaRPr>
           </a:p>
         </p:txBody>
       </p:sp>
@@ -8801,7 +8618,7 @@
           <a:p>
             <a:pPr algn="ctr"/>
             <a:r>
-              <a:rPr lang="tr-TR" sz="2800" b="1" dirty="0" smtClean="0">
+              <a:rPr lang="tr-TR" sz="2800" b="1" dirty="0">
                 <a:solidFill>
                   <a:schemeClr val="accent5">
                     <a:lumMod val="75000"/>
@@ -8810,13 +8627,6 @@
               </a:rPr>
               <a:t>B</a:t>
             </a:r>
-            <a:endParaRPr lang="tr-TR" sz="2800" b="1" dirty="0">
-              <a:solidFill>
-                <a:schemeClr val="accent5">
-                  <a:lumMod val="75000"/>
-                </a:schemeClr>
-              </a:solidFill>
-            </a:endParaRPr>
           </a:p>
         </p:txBody>
       </p:sp>
@@ -8986,7 +8796,7 @@
           <a:p>
             <a:pPr algn="ctr"/>
             <a:r>
-              <a:rPr lang="tr-TR" sz="2800" b="1" dirty="0" smtClean="0">
+              <a:rPr lang="tr-TR" sz="2800" b="1" dirty="0">
                 <a:solidFill>
                   <a:schemeClr val="accent5">
                     <a:lumMod val="75000"/>
@@ -8995,13 +8805,6 @@
               </a:rPr>
               <a:t>E</a:t>
             </a:r>
-            <a:endParaRPr lang="tr-TR" sz="2800" b="1" dirty="0">
-              <a:solidFill>
-                <a:schemeClr val="accent5">
-                  <a:lumMod val="75000"/>
-                </a:schemeClr>
-              </a:solidFill>
-            </a:endParaRPr>
           </a:p>
         </p:txBody>
       </p:sp>
@@ -9048,7 +8851,7 @@
           <a:p>
             <a:pPr algn="ctr"/>
             <a:r>
-              <a:rPr lang="tr-TR" sz="2800" b="1" dirty="0" smtClean="0">
+              <a:rPr lang="tr-TR" sz="2800" b="1" dirty="0">
                 <a:solidFill>
                   <a:schemeClr val="accent5">
                     <a:lumMod val="75000"/>
@@ -9057,13 +8860,6 @@
               </a:rPr>
               <a:t>F</a:t>
             </a:r>
-            <a:endParaRPr lang="tr-TR" sz="2800" b="1" dirty="0">
-              <a:solidFill>
-                <a:schemeClr val="accent5">
-                  <a:lumMod val="75000"/>
-                </a:schemeClr>
-              </a:solidFill>
-            </a:endParaRPr>
           </a:p>
         </p:txBody>
       </p:sp>
@@ -9145,7 +8941,7 @@
           <a:p>
             <a:pPr algn="ctr"/>
             <a:r>
-              <a:rPr lang="tr-TR" sz="2800" b="1" dirty="0" smtClean="0">
+              <a:rPr lang="tr-TR" sz="2800" b="1" dirty="0">
                 <a:solidFill>
                   <a:schemeClr val="accent5">
                     <a:lumMod val="75000"/>
@@ -9154,13 +8950,6 @@
               </a:rPr>
               <a:t>D</a:t>
             </a:r>
-            <a:endParaRPr lang="tr-TR" sz="2800" b="1" dirty="0">
-              <a:solidFill>
-                <a:schemeClr val="accent5">
-                  <a:lumMod val="75000"/>
-                </a:schemeClr>
-              </a:solidFill>
-            </a:endParaRPr>
           </a:p>
         </p:txBody>
       </p:sp>
@@ -9563,21 +9352,18 @@
               <a:buNone/>
             </a:pPr>
             <a:r>
-              <a:rPr lang="tr-TR" dirty="0" smtClean="0">
+              <a:rPr lang="tr-TR" dirty="0">
                 <a:sym typeface="Wingdings" panose="05000000000000000000" pitchFamily="2" charset="2"/>
               </a:rPr>
               <a:t>T</a:t>
             </a:r>
-            <a:endParaRPr lang="tr-TR" dirty="0">
-              <a:sym typeface="Wingdings" panose="05000000000000000000" pitchFamily="2" charset="2"/>
-            </a:endParaRPr>
           </a:p>
           <a:p>
             <a:pPr marL="0" indent="0">
               <a:buNone/>
             </a:pPr>
             <a:r>
-              <a:rPr lang="tr-TR" dirty="0" smtClean="0">
+              <a:rPr lang="tr-TR" dirty="0">
                 <a:sym typeface="Wingdings" panose="05000000000000000000" pitchFamily="2" charset="2"/>
               </a:rPr>
               <a:t>F</a:t>
@@ -9588,28 +9374,22 @@
               <a:buNone/>
             </a:pPr>
             <a:r>
-              <a:rPr lang="tr-TR" dirty="0" smtClean="0">
+              <a:rPr lang="tr-TR" dirty="0">
                 <a:sym typeface="Wingdings" panose="05000000000000000000" pitchFamily="2" charset="2"/>
               </a:rPr>
               <a:t>F</a:t>
             </a:r>
-            <a:endParaRPr lang="tr-TR" dirty="0">
-              <a:sym typeface="Wingdings" panose="05000000000000000000" pitchFamily="2" charset="2"/>
-            </a:endParaRPr>
           </a:p>
           <a:p>
             <a:pPr marL="0" indent="0">
               <a:buNone/>
             </a:pPr>
             <a:r>
-              <a:rPr lang="tr-TR" dirty="0" smtClean="0">
+              <a:rPr lang="tr-TR" dirty="0">
                 <a:sym typeface="Wingdings" panose="05000000000000000000" pitchFamily="2" charset="2"/>
               </a:rPr>
               <a:t>T</a:t>
             </a:r>
-            <a:endParaRPr lang="tr-TR" dirty="0">
-              <a:sym typeface="Wingdings" panose="05000000000000000000" pitchFamily="2" charset="2"/>
-            </a:endParaRPr>
           </a:p>
           <a:p>
             <a:endParaRPr lang="tr-TR" dirty="0"/>
@@ -9940,11 +9720,11 @@
               <a:t>Constructing Bayesian </a:t>
             </a:r>
             <a:r>
-              <a:rPr lang="tr-TR" dirty="0" smtClean="0"/>
+              <a:rPr lang="tr-TR" dirty="0"/>
               <a:t>N</a:t>
             </a:r>
             <a:r>
-              <a:rPr lang="en-US" dirty="0" err="1" smtClean="0"/>
+              <a:rPr lang="en-US" dirty="0" err="1"/>
               <a:t>etworks</a:t>
             </a:r>
             <a:endParaRPr lang="en-US" dirty="0"/>
@@ -9984,43 +9764,35 @@
               <a:buAutoNum type="arabicPeriod"/>
             </a:pPr>
             <a:r>
-              <a:rPr lang="en-US" dirty="0" smtClean="0"/>
-              <a:t>Choose </a:t>
-            </a:r>
-            <a:r>
               <a:rPr lang="en-US" dirty="0"/>
-              <a:t>an ordering of variables </a:t>
-            </a:r>
-            <a:r>
-              <a:rPr lang="en-US" i="1" dirty="0" smtClean="0"/>
+              <a:t>Choose an ordering of variables </a:t>
+            </a:r>
+            <a:r>
+              <a:rPr lang="en-US" i="1" dirty="0"/>
               <a:t>X</a:t>
             </a:r>
             <a:r>
-              <a:rPr lang="en-US" i="1" baseline="-25000" dirty="0" smtClean="0"/>
+              <a:rPr lang="en-US" i="1" baseline="-25000" dirty="0"/>
               <a:t>1</a:t>
             </a:r>
             <a:r>
-              <a:rPr lang="tr-TR" i="1" baseline="-25000" dirty="0" smtClean="0"/>
+              <a:rPr lang="tr-TR" i="1" baseline="-25000" dirty="0"/>
               <a:t> </a:t>
             </a:r>
             <a:r>
-              <a:rPr lang="en-US" dirty="0" smtClean="0"/>
+              <a:rPr lang="en-US" dirty="0"/>
               <a:t>, </a:t>
             </a:r>
             <a:r>
               <a:rPr lang="en-US"/>
-              <a:t>… </a:t>
-            </a:r>
-            <a:r>
-              <a:rPr lang="en-US" smtClean="0"/>
-              <a:t>, </a:t>
-            </a:r>
-            <a:r>
-              <a:rPr lang="en-US" i="1" smtClean="0"/>
+              <a:t>… , </a:t>
+            </a:r>
+            <a:r>
+              <a:rPr lang="en-US" i="1"/>
               <a:t>X</a:t>
             </a:r>
             <a:r>
-              <a:rPr lang="en-US" i="1" baseline="-25000" smtClean="0"/>
+              <a:rPr lang="en-US" i="1" baseline="-25000"/>
               <a:t>n</a:t>
             </a:r>
             <a:endParaRPr lang="en-US" dirty="0"/>
@@ -10037,24 +9809,20 @@
               <a:buAutoNum type="arabicPeriod"/>
             </a:pPr>
             <a:r>
-              <a:rPr lang="tr-TR" dirty="0" smtClean="0"/>
+              <a:rPr lang="tr-TR" dirty="0"/>
               <a:t>f</a:t>
             </a:r>
             <a:r>
-              <a:rPr lang="en-US" dirty="0" smtClean="0"/>
+              <a:rPr lang="en-US" dirty="0"/>
               <a:t>or </a:t>
             </a:r>
             <a:r>
-              <a:rPr lang="tr-TR" i="1" dirty="0" smtClean="0"/>
+              <a:rPr lang="tr-TR" i="1" dirty="0"/>
               <a:t>i </a:t>
             </a:r>
             <a:r>
-              <a:rPr lang="en-US" dirty="0" smtClean="0"/>
-              <a:t>= </a:t>
-            </a:r>
-            <a:r>
               <a:rPr lang="en-US" dirty="0"/>
-              <a:t>1 to </a:t>
+              <a:t>= 1 to </a:t>
             </a:r>
             <a:r>
               <a:rPr lang="en-US" i="1" dirty="0"/>
@@ -10085,13 +9853,8 @@
             </a:r>
             <a:r>
               <a:rPr lang="en-US" dirty="0"/>
-              <a:t> to the </a:t>
-            </a:r>
-            <a:r>
-              <a:rPr lang="en-US" dirty="0" smtClean="0"/>
-              <a:t>network</a:t>
-            </a:r>
-            <a:endParaRPr lang="en-US" dirty="0"/>
+              <a:t> to the network</a:t>
+            </a:r>
           </a:p>
           <a:p>
             <a:pPr lvl="1" algn="just">
@@ -10111,15 +9874,15 @@
               <a:t>from </a:t>
             </a:r>
             <a:r>
-              <a:rPr lang="en-US" i="1" smtClean="0"/>
+              <a:rPr lang="en-US" i="1"/>
               <a:t>X</a:t>
             </a:r>
             <a:r>
-              <a:rPr lang="en-US" i="1" baseline="-25000" smtClean="0"/>
+              <a:rPr lang="en-US" i="1" baseline="-25000"/>
               <a:t>1 </a:t>
             </a:r>
             <a:r>
-              <a:rPr lang="en-US" i="1" smtClean="0"/>
+              <a:rPr lang="en-US" i="1"/>
               <a:t>, </a:t>
             </a:r>
             <a:r>
@@ -10167,18 +9930,14 @@
             </a:r>
             <a:r>
               <a:rPr lang="fr-FR" i="1"/>
-              <a:t>| </a:t>
-            </a:r>
-            <a:r>
-              <a:rPr lang="fr-FR" i="1" smtClean="0"/>
-              <a:t>Parents(X</a:t>
-            </a:r>
-            <a:r>
-              <a:rPr lang="fr-FR" i="1" baseline="-25000" smtClean="0"/>
+              <a:t>| Parents(X</a:t>
+            </a:r>
+            <a:r>
+              <a:rPr lang="fr-FR" i="1" baseline="-25000"/>
               <a:t>i </a:t>
             </a:r>
             <a:r>
-              <a:rPr lang="fr-FR" i="1" smtClean="0"/>
+              <a:rPr lang="fr-FR" i="1"/>
               <a:t>)) </a:t>
             </a:r>
             <a:r>
@@ -10203,38 +9962,30 @@
             </a:r>
             <a:r>
               <a:rPr lang="fr-FR" i="1"/>
-              <a:t>| </a:t>
-            </a:r>
-            <a:r>
-              <a:rPr lang="fr-FR" i="1" smtClean="0"/>
+              <a:t>| X</a:t>
+            </a:r>
+            <a:r>
+              <a:rPr lang="fr-FR" i="1" baseline="-25000"/>
+              <a:t>1 </a:t>
+            </a:r>
+            <a:r>
+              <a:rPr lang="fr-FR" i="1"/>
+              <a:t>, ... </a:t>
+            </a:r>
+            <a:r>
+              <a:rPr lang="tr-TR" i="1"/>
+              <a:t>,</a:t>
+            </a:r>
+            <a:r>
+              <a:rPr lang="en-US" i="1"/>
+              <a:t> </a:t>
+            </a:r>
+            <a:r>
+              <a:rPr lang="fr-FR" i="1"/>
               <a:t>X</a:t>
             </a:r>
             <a:r>
-              <a:rPr lang="fr-FR" i="1" baseline="-25000" smtClean="0"/>
-              <a:t>1 </a:t>
-            </a:r>
-            <a:r>
-              <a:rPr lang="fr-FR" i="1" smtClean="0"/>
-              <a:t>, </a:t>
-            </a:r>
-            <a:r>
-              <a:rPr lang="fr-FR" i="1"/>
-              <a:t>... </a:t>
-            </a:r>
-            <a:r>
-              <a:rPr lang="tr-TR" i="1" smtClean="0"/>
-              <a:t>,</a:t>
-            </a:r>
-            <a:r>
-              <a:rPr lang="en-US" i="1" smtClean="0"/>
-              <a:t> </a:t>
-            </a:r>
-            <a:r>
-              <a:rPr lang="fr-FR" i="1" smtClean="0"/>
-              <a:t>X</a:t>
-            </a:r>
-            <a:r>
-              <a:rPr lang="fr-FR" i="1" baseline="-25000" smtClean="0"/>
+              <a:rPr lang="fr-FR" i="1" baseline="-25000"/>
               <a:t>i-1</a:t>
             </a:r>
             <a:r>
@@ -10267,13 +10018,6 @@
   <p:clrMapOvr>
     <a:masterClrMapping/>
   </p:clrMapOvr>
-  <p:timing>
-    <p:tnLst>
-      <p:par>
-        <p:cTn id="1" dur="indefinite" restart="never" nodeType="tmRoot"/>
-      </p:par>
-    </p:tnLst>
-  </p:timing>
 </p:sld>
 </file>
 
@@ -10314,11 +10058,11 @@
               <a:t>Constructing Bayesian </a:t>
             </a:r>
             <a:r>
-              <a:rPr lang="tr-TR" dirty="0" smtClean="0"/>
+              <a:rPr lang="tr-TR" dirty="0"/>
               <a:t>N</a:t>
             </a:r>
             <a:r>
-              <a:rPr lang="en-US" dirty="0" err="1" smtClean="0"/>
+              <a:rPr lang="en-US" dirty="0" err="1"/>
               <a:t>etworks</a:t>
             </a:r>
             <a:endParaRPr lang="en-US" dirty="0"/>
@@ -10361,18 +10105,9 @@
                   </a:spcAft>
                 </a:pPr>
                 <a:r>
-                  <a:rPr lang="en-US" sz="2800" dirty="0" smtClean="0"/>
-                  <a:t>This </a:t>
-                </a:r>
-                <a:r>
                   <a:rPr lang="en-US" sz="2800" dirty="0"/>
-                  <a:t>choice of parents guarantees</a:t>
-                </a:r>
-                <a:r>
-                  <a:rPr lang="en-US" sz="2800" dirty="0" smtClean="0"/>
-                  <a:t>:</a:t>
-                </a:r>
-                <a:endParaRPr lang="en-US" sz="2800" dirty="0"/>
+                  <a:t>This choice of parents guarantees:</a:t>
+                </a:r>
               </a:p>
               <a:p>
                 <a:pPr algn="just">
@@ -10388,20 +10123,16 @@
                   <a:buNone/>
                 </a:pPr>
                 <a:r>
-                  <a:rPr lang="tr-TR" sz="2000" b="1" i="1" dirty="0" smtClean="0"/>
+                  <a:rPr lang="tr-TR" sz="2000" b="1" i="1" dirty="0"/>
                   <a:t>		</a:t>
                 </a:r>
                 <a:r>
-                  <a:rPr lang="en-US" sz="2400" b="1" i="1" dirty="0" smtClean="0"/>
+                  <a:rPr lang="en-US" sz="2400" b="1" i="1" dirty="0"/>
                   <a:t>P</a:t>
                 </a:r>
                 <a:r>
-                  <a:rPr lang="en-US" sz="2400" i="1" dirty="0" smtClean="0"/>
-                  <a:t> </a:t>
-                </a:r>
-                <a:r>
                   <a:rPr lang="en-US" sz="2400" i="1" dirty="0"/>
-                  <a:t>(X</a:t>
+                  <a:t> (X</a:t>
                 </a:r>
                 <a:r>
                   <a:rPr lang="en-US" sz="2400" i="1" baseline="-25000" dirty="0"/>
@@ -10420,15 +10151,15 @@
                   <a:t>n</a:t>
                 </a:r>
                 <a:r>
-                  <a:rPr lang="en-US" sz="2400" i="1" dirty="0" smtClean="0"/>
+                  <a:rPr lang="en-US" sz="2400" i="1" dirty="0"/>
                   <a:t>)</a:t>
                 </a:r>
                 <a:r>
-                  <a:rPr lang="tr-TR" sz="2400" i="1" dirty="0" smtClean="0"/>
+                  <a:rPr lang="tr-TR" sz="2400" i="1" dirty="0"/>
                   <a:t> </a:t>
                 </a:r>
                 <a:r>
-                  <a:rPr lang="en-US" sz="2400" i="1" dirty="0" smtClean="0"/>
+                  <a:rPr lang="en-US" sz="2400" i="1" dirty="0"/>
                   <a:t> = </a:t>
                 </a:r>
                 <a14:m>
@@ -10590,24 +10321,12 @@
                   </m:oMath>
                 </a14:m>
                 <a:r>
-                  <a:rPr lang="tr-TR" sz="2400" dirty="0" smtClean="0"/>
+                  <a:rPr lang="tr-TR" sz="2400" dirty="0"/>
                   <a:t> </a:t>
                 </a:r>
                 <a:r>
-                  <a:rPr lang="en-US" sz="2400" dirty="0" smtClean="0"/>
-                  <a:t>(</a:t>
-                </a:r>
-                <a:r>
                   <a:rPr lang="en-US" sz="2400" dirty="0"/>
-                  <a:t>chain rule</a:t>
-                </a:r>
-                <a:r>
-                  <a:rPr lang="en-US" sz="2400" dirty="0" smtClean="0"/>
-                  <a:t>)</a:t>
-                </a:r>
-                <a:r>
-                  <a:rPr lang="en-US" sz="2400" dirty="0"/>
-                  <a:t>
+                  <a:t>(chain rule)
 </a:t>
                 </a:r>
                 <a:r>
@@ -10616,14 +10335,10 @@
                 </a:r>
                 <a:r>
                   <a:rPr lang="tr-TR" sz="2400" baseline="-25000" dirty="0"/>
-                  <a:t>	</a:t>
-                </a:r>
-                <a:r>
-                  <a:rPr lang="tr-TR" sz="2400" baseline="-25000" dirty="0" smtClean="0"/>
-                  <a:t>	</a:t>
-                </a:r>
-                <a:r>
-                  <a:rPr lang="en-US" sz="2400" i="1" dirty="0" smtClean="0"/>
+                  <a:t>		</a:t>
+                </a:r>
+                <a:r>
+                  <a:rPr lang="en-US" sz="2400" i="1" dirty="0"/>
                   <a:t>=  </a:t>
                 </a:r>
                 <a14:m>
@@ -10754,22 +10469,13 @@
                   </m:oMath>
                 </a14:m>
                 <a:r>
-                  <a:rPr lang="tr-TR" sz="2400" dirty="0" smtClean="0"/>
+                  <a:rPr lang="tr-TR" sz="2400" dirty="0"/>
                   <a:t>      </a:t>
                 </a:r>
                 <a:r>
-                  <a:rPr lang="en-US" sz="2400" dirty="0" smtClean="0"/>
-                  <a:t>(</a:t>
-                </a:r>
-                <a:r>
                   <a:rPr lang="en-US" sz="2400" dirty="0"/>
-                  <a:t>by construction</a:t>
-                </a:r>
-                <a:r>
-                  <a:rPr lang="en-US" sz="2400" dirty="0" smtClean="0"/>
-                  <a:t>)</a:t>
-                </a:r>
-                <a:endParaRPr lang="en-US" sz="2400" dirty="0"/>
+                  <a:t>(by construction)</a:t>
+                </a:r>
               </a:p>
               <a:p>
                 <a:pPr lvl="1" algn="just">
@@ -10784,27 +10490,27 @@
                   </a:spcAft>
                 </a:pPr>
                 <a:r>
-                  <a:rPr lang="tr-TR" sz="2400" dirty="0" err="1" smtClean="0"/>
+                  <a:rPr lang="tr-TR" sz="2400" dirty="0" err="1"/>
                   <a:t>Remember</a:t>
                 </a:r>
                 <a:r>
-                  <a:rPr lang="tr-TR" sz="2400" dirty="0" smtClean="0"/>
+                  <a:rPr lang="tr-TR" sz="2400" dirty="0"/>
                   <a:t> </a:t>
                 </a:r>
                 <a:r>
-                  <a:rPr lang="tr-TR" sz="2400" dirty="0" err="1" smtClean="0"/>
+                  <a:rPr lang="tr-TR" sz="2400" dirty="0" err="1"/>
                   <a:t>chain</a:t>
                 </a:r>
                 <a:r>
-                  <a:rPr lang="tr-TR" sz="2400" dirty="0" smtClean="0"/>
+                  <a:rPr lang="tr-TR" sz="2400" dirty="0"/>
                   <a:t> </a:t>
                 </a:r>
                 <a:r>
-                  <a:rPr lang="tr-TR" sz="2400" dirty="0" err="1" smtClean="0"/>
+                  <a:rPr lang="tr-TR" sz="2400" dirty="0" err="1"/>
                   <a:t>rule</a:t>
                 </a:r>
                 <a:r>
-                  <a:rPr lang="tr-TR" sz="2400" dirty="0" smtClean="0"/>
+                  <a:rPr lang="tr-TR" sz="2400" dirty="0"/>
                   <a:t>:</a:t>
                 </a:r>
               </a:p>
@@ -10816,11 +10522,11 @@
                   <a:buNone/>
                 </a:pPr>
                 <a:r>
-                  <a:rPr lang="en-US" sz="2400" dirty="0" smtClean="0"/>
+                  <a:rPr lang="en-US" sz="2400" dirty="0"/>
                   <a:t>P(X</a:t>
                 </a:r>
                 <a:r>
-                  <a:rPr lang="en-US" sz="2400" baseline="-25000" dirty="0" smtClean="0"/>
+                  <a:rPr lang="en-US" sz="2400" baseline="-25000" dirty="0"/>
                   <a:t>1</a:t>
                 </a:r>
                 <a:r>
@@ -11063,7 +10769,7 @@
                   <a:t>=</a:t>
                 </a:r>
                 <a:r>
-                  <a:rPr lang="tr-TR" sz="2400" dirty="0" smtClean="0"/>
+                  <a:rPr lang="tr-TR" sz="2400" dirty="0"/>
                   <a:t> </a:t>
                 </a:r>
                 <a14:m>
@@ -11145,7 +10851,7 @@
                   <a:rPr lang="en-US" sz="2400" dirty="0"/>
                   <a:t> )               </a:t>
                 </a:r>
-                <a:endParaRPr lang="tr-TR" dirty="0" smtClean="0"/>
+                <a:endParaRPr lang="tr-TR" dirty="0"/>
               </a:p>
               <a:p>
                 <a:pPr algn="just">
@@ -11160,26 +10866,26 @@
                   </a:spcAft>
                 </a:pPr>
                 <a:r>
-                  <a:rPr lang="tr-TR" sz="2800" dirty="0" err="1" smtClean="0"/>
+                  <a:rPr lang="tr-TR" sz="2800" dirty="0" err="1"/>
                   <a:t>It</a:t>
                 </a:r>
                 <a:r>
-                  <a:rPr lang="tr-TR" sz="2800" dirty="0" smtClean="0"/>
+                  <a:rPr lang="tr-TR" sz="2800" dirty="0"/>
                   <a:t> </a:t>
                 </a:r>
                 <a:r>
-                  <a:rPr lang="tr-TR" sz="2800" dirty="0" err="1" smtClean="0"/>
+                  <a:rPr lang="tr-TR" sz="2800" dirty="0" err="1"/>
                   <a:t>means</a:t>
                 </a:r>
                 <a:r>
-                  <a:rPr lang="tr-TR" sz="2800" dirty="0" smtClean="0"/>
+                  <a:rPr lang="tr-TR" sz="2800" dirty="0"/>
                   <a:t> </a:t>
                 </a:r>
                 <a:r>
-                  <a:rPr lang="en-US" sz="2800" dirty="0" smtClean="0"/>
+                  <a:rPr lang="en-US" sz="2800" dirty="0"/>
                   <a:t>that </a:t>
                 </a:r>
-                <a:endParaRPr lang="tr-TR" sz="2800" dirty="0" smtClean="0"/>
+                <a:endParaRPr lang="tr-TR" sz="2800" dirty="0"/>
               </a:p>
               <a:p>
                 <a:pPr lvl="1" algn="just">
@@ -11194,12 +10900,8 @@
                   </a:spcAft>
                 </a:pPr>
                 <a:r>
-                  <a:rPr lang="en-US" sz="2400" dirty="0" smtClean="0"/>
-                  <a:t>a </a:t>
-                </a:r>
-                <a:r>
                   <a:rPr lang="en-US" sz="2400" dirty="0"/>
-                  <a:t>series of locally testable assertions of</a:t>
+                  <a:t>a series of locally testable assertions of</a:t>
                 </a:r>
                 <a:r>
                   <a:rPr lang="tr-TR" sz="2400" dirty="0"/>
@@ -11207,17 +10909,12 @@
                 </a:r>
                 <a:r>
                   <a:rPr lang="en-US" sz="2400" dirty="0"/>
-                  <a:t>conditional independence guarantees the required global </a:t>
-                </a:r>
-                <a:r>
-                  <a:rPr lang="en-US" sz="2400" dirty="0" smtClean="0"/>
-                  <a:t>semantics</a:t>
-                </a:r>
-                <a:r>
-                  <a:rPr lang="tr-TR" sz="2400" dirty="0" smtClean="0"/>
+                  <a:t>conditional independence guarantees the required global semantics</a:t>
+                </a:r>
+                <a:r>
+                  <a:rPr lang="tr-TR" sz="2400" dirty="0"/>
                   <a:t>.</a:t>
                 </a:r>
-                <a:endParaRPr lang="tr-TR" sz="2400" dirty="0"/>
               </a:p>
               <a:p>
                 <a:pPr algn="just">
@@ -11283,13 +10980,6 @@
   <p:clrMapOvr>
     <a:masterClrMapping/>
   </p:clrMapOvr>
-  <p:timing>
-    <p:tnLst>
-      <p:par>
-        <p:cTn id="1" dur="indefinite" restart="never" nodeType="tmRoot"/>
-      </p:par>
-    </p:tnLst>
-  </p:timing>
 </p:sld>
 </file>
 
@@ -11338,16 +11028,11 @@
             </a:r>
             <a:r>
               <a:rPr lang="en-US" sz="2800" i="1" dirty="0"/>
-              <a:t>M, J, A, B, </a:t>
-            </a:r>
-            <a:r>
-              <a:rPr lang="en-US" sz="2800" i="1" dirty="0" smtClean="0"/>
-              <a:t>E</a:t>
-            </a:r>
-            <a:endParaRPr lang="en-US" sz="2800" i="1" dirty="0"/>
-          </a:p>
-          <a:p>
-            <a:endParaRPr lang="en-US" sz="2800" i="1" smtClean="0"/>
+              <a:t>M, J, A, B, E</a:t>
+            </a:r>
+          </a:p>
+          <a:p>
+            <a:endParaRPr lang="en-US" sz="2800" i="1"/>
           </a:p>
           <a:p>
             <a:endParaRPr lang="en-US" sz="2800" i="1" dirty="0"/>
@@ -11358,11 +11043,11 @@
               <a:buNone/>
             </a:pPr>
             <a:r>
-              <a:rPr lang="en-US" sz="2800" b="1" i="1" smtClean="0"/>
+              <a:rPr lang="en-US" sz="2800" b="1" i="1"/>
               <a:t>P</a:t>
             </a:r>
             <a:r>
-              <a:rPr lang="en-US" sz="2800" i="1" smtClean="0"/>
+              <a:rPr lang="en-US" sz="2800" i="1"/>
               <a:t>(J </a:t>
             </a:r>
             <a:r>
@@ -11410,21 +11095,16 @@
               <a:t>N</a:t>
             </a:r>
             <a:r>
-              <a:rPr lang="en-US" dirty="0" err="1" smtClean="0"/>
+              <a:rPr lang="en-US" dirty="0" err="1"/>
               <a:t>etworks</a:t>
             </a:r>
-            <a:r>
-              <a:rPr lang="tr-TR" dirty="0" smtClean="0"/>
-              <a:t/>
-            </a:r>
             <a:br>
-              <a:rPr lang="tr-TR" dirty="0" smtClean="0"/>
+              <a:rPr lang="tr-TR" dirty="0"/>
             </a:br>
             <a:r>
-              <a:rPr lang="en-US" dirty="0" smtClean="0"/>
+              <a:rPr lang="en-US" dirty="0"/>
               <a:t>Example</a:t>
             </a:r>
-            <a:endParaRPr lang="en-US" dirty="0"/>
           </a:p>
         </p:txBody>
       </p:sp>
@@ -11478,13 +11158,6 @@
   <p:clrMapOvr>
     <a:masterClrMapping/>
   </p:clrMapOvr>
-  <p:timing>
-    <p:tnLst>
-      <p:par>
-        <p:cTn id="1" dur="indefinite" restart="never" nodeType="tmRoot"/>
-      </p:par>
-    </p:tnLst>
-  </p:timing>
 </p:sld>
 </file>
 
@@ -11528,16 +11201,12 @@
             </a:r>
             <a:r>
               <a:rPr lang="en-US" sz="2800" i="1" dirty="0"/>
-              <a:t>M, J, A, B, </a:t>
-            </a:r>
-            <a:r>
-              <a:rPr lang="en-US" sz="2800" i="1" dirty="0" smtClean="0"/>
-              <a:t>E</a:t>
+              <a:t>M, J, A, B, E</a:t>
             </a:r>
             <a:endParaRPr lang="en-US" sz="2800" dirty="0"/>
           </a:p>
           <a:p>
-            <a:endParaRPr lang="en-US" sz="2800" smtClean="0"/>
+            <a:endParaRPr lang="en-US" sz="2800"/>
           </a:p>
           <a:p>
             <a:endParaRPr lang="en-US" sz="2800" dirty="0"/>
@@ -11548,11 +11217,11 @@
               <a:buNone/>
             </a:pPr>
             <a:r>
-              <a:rPr lang="en-US" sz="2800" b="1" i="1" smtClean="0"/>
+              <a:rPr lang="en-US" sz="2800" b="1" i="1"/>
               <a:t>P</a:t>
             </a:r>
             <a:r>
-              <a:rPr lang="en-US" sz="2800" i="1" smtClean="0"/>
+              <a:rPr lang="en-US" sz="2800" i="1"/>
               <a:t>(J </a:t>
             </a:r>
             <a:r>
@@ -11565,18 +11234,14 @@
             </a:r>
             <a:r>
               <a:rPr lang="en-US" sz="2800" i="1" dirty="0"/>
-              <a:t>(J</a:t>
-            </a:r>
-            <a:r>
-              <a:rPr lang="en-US" sz="2800" i="1" dirty="0" smtClean="0"/>
-              <a:t>)?</a:t>
-            </a:r>
-            <a:r>
-              <a:rPr lang="tr-TR" sz="2800" i="1" dirty="0" smtClean="0"/>
+              <a:t>(J)?</a:t>
+            </a:r>
+            <a:r>
+              <a:rPr lang="tr-TR" sz="2800" i="1" dirty="0"/>
               <a:t> </a:t>
             </a:r>
             <a:r>
-              <a:rPr lang="en-US" sz="2800" b="1" dirty="0" smtClean="0"/>
+              <a:rPr lang="en-US" sz="2800" b="1" dirty="0"/>
               <a:t>No</a:t>
             </a:r>
             <a:endParaRPr lang="en-US" sz="2800" b="1" i="1" dirty="0"/>
@@ -11672,10 +11337,6 @@
             <a:r>
               <a:rPr lang="en-US" dirty="0" err="1"/>
               <a:t>etworks</a:t>
-            </a:r>
-            <a:r>
-              <a:rPr lang="tr-TR" dirty="0"/>
-              <a:t/>
             </a:r>
             <a:br>
               <a:rPr lang="tr-TR" dirty="0"/>
@@ -11737,13 +11398,6 @@
   <p:clrMapOvr>
     <a:masterClrMapping/>
   </p:clrMapOvr>
-  <p:timing>
-    <p:tnLst>
-      <p:par>
-        <p:cTn id="1" dur="indefinite" restart="never" nodeType="tmRoot"/>
-      </p:par>
-    </p:tnLst>
-  </p:timing>
 </p:sld>
 </file>
 
@@ -11787,16 +11441,12 @@
             </a:r>
             <a:r>
               <a:rPr lang="en-US" sz="2800" i="1" dirty="0"/>
-              <a:t>M, J, A, B, </a:t>
-            </a:r>
-            <a:r>
-              <a:rPr lang="en-US" sz="2800" i="1" dirty="0" smtClean="0"/>
-              <a:t>E</a:t>
+              <a:t>M, J, A, B, E</a:t>
             </a:r>
             <a:endParaRPr lang="tr-TR" sz="2800" i="1" dirty="0"/>
           </a:p>
           <a:p>
-            <a:endParaRPr lang="en-US" sz="2800" i="1" smtClean="0"/>
+            <a:endParaRPr lang="en-US" sz="2800" i="1"/>
           </a:p>
           <a:p>
             <a:endParaRPr lang="en-US" sz="2800" i="1" dirty="0"/>
@@ -11807,11 +11457,11 @@
               <a:buNone/>
             </a:pPr>
             <a:r>
-              <a:rPr lang="en-US" sz="2800" b="1" i="1" smtClean="0"/>
+              <a:rPr lang="en-US" sz="2800" b="1" i="1"/>
               <a:t>P</a:t>
             </a:r>
             <a:r>
-              <a:rPr lang="en-US" sz="2800" i="1" smtClean="0"/>
+              <a:rPr lang="en-US" sz="2800" i="1"/>
               <a:t>(J </a:t>
             </a:r>
             <a:r>
@@ -11824,18 +11474,14 @@
             </a:r>
             <a:r>
               <a:rPr lang="en-US" sz="2800" i="1" dirty="0"/>
-              <a:t>(J</a:t>
-            </a:r>
-            <a:r>
-              <a:rPr lang="en-US" sz="2800" i="1" dirty="0" smtClean="0"/>
-              <a:t>)?</a:t>
-            </a:r>
-            <a:r>
-              <a:rPr lang="tr-TR" sz="2800" i="1" dirty="0" smtClean="0"/>
+              <a:t>(J)?</a:t>
+            </a:r>
+            <a:r>
+              <a:rPr lang="tr-TR" sz="2800" i="1" dirty="0"/>
               <a:t> </a:t>
             </a:r>
             <a:r>
-              <a:rPr lang="en-US" sz="2800" b="1" dirty="0" smtClean="0"/>
+              <a:rPr lang="en-US" sz="2800" b="1" dirty="0"/>
               <a:t>No</a:t>
             </a:r>
             <a:endParaRPr lang="en-US" sz="2800" b="1" i="1" dirty="0"/>
@@ -11978,10 +11624,6 @@
             <a:r>
               <a:rPr lang="en-US" dirty="0" err="1"/>
               <a:t>etworks</a:t>
-            </a:r>
-            <a:r>
-              <a:rPr lang="tr-TR" dirty="0"/>
-              <a:t/>
             </a:r>
             <a:br>
               <a:rPr lang="tr-TR" dirty="0"/>
@@ -12043,13 +11685,6 @@
   <p:clrMapOvr>
     <a:masterClrMapping/>
   </p:clrMapOvr>
-  <p:timing>
-    <p:tnLst>
-      <p:par>
-        <p:cTn id="1" dur="indefinite" restart="never" nodeType="tmRoot"/>
-      </p:par>
-    </p:tnLst>
-  </p:timing>
 </p:sld>
 </file>
 
@@ -12090,11 +11725,11 @@
               <a:t>Bayesian </a:t>
             </a:r>
             <a:r>
-              <a:rPr lang="tr-TR" dirty="0" smtClean="0"/>
+              <a:rPr lang="tr-TR" dirty="0"/>
               <a:t>N</a:t>
             </a:r>
             <a:r>
-              <a:rPr lang="en-US" dirty="0" err="1" smtClean="0"/>
+              <a:rPr lang="en-US" dirty="0" err="1"/>
               <a:t>etworks</a:t>
             </a:r>
             <a:endParaRPr lang="en-US" dirty="0"/>
@@ -12124,43 +11759,27 @@
               <a:t>A simple, graphical notation </a:t>
             </a:r>
             <a:r>
-              <a:rPr lang="tr-TR" sz="2400" dirty="0" err="1" smtClean="0"/>
+              <a:rPr lang="tr-TR" sz="2400" dirty="0" err="1"/>
               <a:t>for</a:t>
             </a:r>
-            <a:endParaRPr lang="tr-TR" sz="2400" dirty="0" smtClean="0"/>
+            <a:endParaRPr lang="tr-TR" sz="2400" dirty="0"/>
           </a:p>
           <a:p>
             <a:pPr lvl="1" algn="just"/>
             <a:r>
-              <a:rPr lang="en-US" sz="2000" dirty="0" smtClean="0"/>
-              <a:t>conditional </a:t>
-            </a:r>
-            <a:r>
               <a:rPr lang="en-US" sz="2000" dirty="0"/>
-              <a:t>independence assertions </a:t>
-            </a:r>
-            <a:r>
-              <a:rPr lang="en-US" sz="2000" dirty="0" smtClean="0"/>
-              <a:t>and </a:t>
-            </a:r>
-            <a:endParaRPr lang="tr-TR" sz="2000" dirty="0" smtClean="0"/>
+              <a:t>conditional independence assertions and </a:t>
+            </a:r>
+            <a:endParaRPr lang="tr-TR" sz="2000" dirty="0"/>
           </a:p>
           <a:p>
             <a:pPr lvl="1" algn="just"/>
             <a:r>
-              <a:rPr lang="en-US" sz="2000" dirty="0" smtClean="0"/>
-              <a:t>compact </a:t>
-            </a:r>
-            <a:r>
               <a:rPr lang="en-US" sz="2000" dirty="0"/>
-              <a:t>specification of full joint </a:t>
-            </a:r>
-            <a:r>
-              <a:rPr lang="en-US" sz="2000" dirty="0" smtClean="0"/>
-              <a:t>distributions</a:t>
-            </a:r>
-            <a:r>
-              <a:rPr lang="tr-TR" sz="2000" dirty="0" smtClean="0"/>
+              <a:t>compact specification of full joint distributions</a:t>
+            </a:r>
+            <a:r>
+              <a:rPr lang="tr-TR" sz="2000" dirty="0"/>
               <a:t>.</a:t>
             </a:r>
             <a:endParaRPr lang="en-US" sz="2000" dirty="0"/>
@@ -12176,13 +11795,8 @@
             <a:pPr lvl="1" algn="just"/>
             <a:r>
               <a:rPr lang="en-US" sz="2000" dirty="0"/>
-              <a:t>a set of nodes, one per </a:t>
-            </a:r>
-            <a:r>
-              <a:rPr lang="en-US" sz="2000" dirty="0" smtClean="0"/>
-              <a:t>variable</a:t>
-            </a:r>
-            <a:endParaRPr lang="en-US" sz="2000" dirty="0"/>
+              <a:t>a set of nodes, one per variable</a:t>
+            </a:r>
           </a:p>
           <a:p>
             <a:pPr lvl="1" algn="just"/>
@@ -12205,23 +11819,15 @@
             <a:pPr lvl="1" algn="just"/>
             <a:r>
               <a:rPr lang="en-US" sz="2000" dirty="0"/>
-              <a:t>a conditional distribution for each </a:t>
-            </a:r>
-            <a:r>
-              <a:rPr lang="en-US" sz="2000" dirty="0" smtClean="0"/>
-              <a:t>node</a:t>
-            </a:r>
-            <a:r>
-              <a:rPr lang="tr-TR" sz="2000" dirty="0" smtClean="0"/>
+              <a:t>a conditional distribution for each node</a:t>
+            </a:r>
+            <a:r>
+              <a:rPr lang="tr-TR" sz="2000" dirty="0"/>
               <a:t>,</a:t>
             </a:r>
             <a:r>
-              <a:rPr lang="en-US" sz="2000" dirty="0" smtClean="0"/>
-              <a:t> </a:t>
-            </a:r>
-            <a:r>
               <a:rPr lang="en-US" sz="2000" dirty="0"/>
-              <a:t>given its parents:</a:t>
+              <a:t> given its parents:</a:t>
             </a:r>
           </a:p>
           <a:p>
@@ -12250,36 +11856,24 @@
               <a:t>i</a:t>
             </a:r>
             <a:r>
-              <a:rPr lang="en-US" sz="1800" dirty="0" smtClean="0"/>
+              <a:rPr lang="en-US" sz="1800" dirty="0"/>
               <a:t>))</a:t>
             </a:r>
-            <a:endParaRPr lang="tr-TR" sz="2400" dirty="0" smtClean="0"/>
+            <a:endParaRPr lang="tr-TR" sz="2400" dirty="0"/>
           </a:p>
           <a:p>
             <a:pPr algn="just"/>
             <a:r>
-              <a:rPr lang="en-US" sz="2400" dirty="0" smtClean="0"/>
-              <a:t>In </a:t>
-            </a:r>
-            <a:r>
               <a:rPr lang="en-US" sz="2400" dirty="0"/>
-              <a:t>the simplest case, conditional </a:t>
-            </a:r>
-            <a:r>
-              <a:rPr lang="en-US" sz="2400" dirty="0" smtClean="0"/>
-              <a:t>distribution</a:t>
-            </a:r>
-            <a:r>
-              <a:rPr lang="tr-TR" sz="2400" dirty="0" smtClean="0"/>
+              <a:t>In the simplest case, conditional distribution</a:t>
+            </a:r>
+            <a:r>
+              <a:rPr lang="tr-TR" sz="2400" dirty="0"/>
               <a:t> is</a:t>
             </a:r>
             <a:r>
-              <a:rPr lang="en-US" sz="2400" dirty="0" smtClean="0"/>
-              <a:t> </a:t>
-            </a:r>
-            <a:r>
               <a:rPr lang="en-US" sz="2400" dirty="0"/>
-              <a:t>represented as a </a:t>
+              <a:t> represented as a </a:t>
             </a:r>
             <a:r>
               <a:rPr lang="en-US" sz="2400" b="1" dirty="0">
@@ -12320,13 +11914,6 @@
   <p:clrMapOvr>
     <a:masterClrMapping/>
   </p:clrMapOvr>
-  <p:timing>
-    <p:tnLst>
-      <p:par>
-        <p:cTn id="1" dur="indefinite" restart="never" nodeType="tmRoot"/>
-      </p:par>
-    </p:tnLst>
-  </p:timing>
 </p:sld>
 </file>
 
@@ -12366,13 +11953,8 @@
           <a:p>
             <a:r>
               <a:rPr lang="en-US" sz="2800" dirty="0"/>
-              <a:t>Suppose we choose the ordering M, J, A, B, </a:t>
-            </a:r>
-            <a:r>
-              <a:rPr lang="en-US" sz="2800" dirty="0" smtClean="0"/>
-              <a:t>E</a:t>
-            </a:r>
-            <a:endParaRPr lang="en-US" sz="2800" dirty="0"/>
+              <a:t>Suppose we choose the ordering M, J, A, B, E</a:t>
+            </a:r>
           </a:p>
           <a:p>
             <a:endParaRPr lang="en-US" sz="2800" dirty="0"/>
@@ -12399,18 +11981,14 @@
             </a:r>
             <a:r>
               <a:rPr lang="en-US" sz="2800" i="1" dirty="0"/>
-              <a:t>(J</a:t>
-            </a:r>
-            <a:r>
-              <a:rPr lang="en-US" sz="2800" i="1" dirty="0" smtClean="0"/>
-              <a:t>)?</a:t>
-            </a:r>
-            <a:r>
-              <a:rPr lang="tr-TR" sz="2800" i="1" dirty="0" smtClean="0"/>
+              <a:t>(J)?</a:t>
+            </a:r>
+            <a:r>
+              <a:rPr lang="tr-TR" sz="2800" i="1" dirty="0"/>
               <a:t> </a:t>
             </a:r>
             <a:r>
-              <a:rPr lang="en-US" sz="2800" b="1" dirty="0" smtClean="0"/>
+              <a:rPr lang="en-US" sz="2800" b="1" dirty="0"/>
               <a:t>No</a:t>
             </a:r>
             <a:endParaRPr lang="en-US" sz="2800" b="1" i="1" dirty="0"/>
@@ -12613,10 +12191,6 @@
             <a:r>
               <a:rPr lang="en-US" dirty="0" err="1"/>
               <a:t>etworks</a:t>
-            </a:r>
-            <a:r>
-              <a:rPr lang="tr-TR" dirty="0"/>
-              <a:t/>
             </a:r>
             <a:br>
               <a:rPr lang="tr-TR" dirty="0"/>
@@ -12678,13 +12252,6 @@
   <p:clrMapOvr>
     <a:masterClrMapping/>
   </p:clrMapOvr>
-  <p:timing>
-    <p:tnLst>
-      <p:par>
-        <p:cTn id="1" dur="indefinite" restart="never" nodeType="tmRoot"/>
-      </p:par>
-    </p:tnLst>
-  </p:timing>
 </p:sld>
 </file>
 
@@ -12724,13 +12291,8 @@
           <a:p>
             <a:r>
               <a:rPr lang="en-US" sz="2800" dirty="0"/>
-              <a:t>Suppose we choose the ordering M, J, A, B, </a:t>
-            </a:r>
-            <a:r>
-              <a:rPr lang="en-US" sz="2800" dirty="0" smtClean="0"/>
-              <a:t>E</a:t>
-            </a:r>
-            <a:endParaRPr lang="en-US" sz="2800" dirty="0"/>
+              <a:t>Suppose we choose the ordering M, J, A, B, E</a:t>
+            </a:r>
           </a:p>
           <a:p>
             <a:endParaRPr lang="en-US" sz="2800" dirty="0"/>
@@ -12757,25 +12319,20 @@
             </a:r>
             <a:r>
               <a:rPr lang="en-US" sz="2800" i="1" dirty="0"/>
-              <a:t>(J</a:t>
-            </a:r>
-            <a:r>
-              <a:rPr lang="en-US" sz="2800" i="1" dirty="0" smtClean="0"/>
-              <a:t>)?</a:t>
-            </a:r>
-            <a:r>
-              <a:rPr lang="tr-TR" sz="2800" i="1" dirty="0" smtClean="0"/>
+              <a:t>(J)?</a:t>
+            </a:r>
+            <a:r>
+              <a:rPr lang="tr-TR" sz="2800" i="1" dirty="0"/>
               <a:t> </a:t>
             </a:r>
             <a:r>
-              <a:rPr lang="en-US" sz="2800" b="1" dirty="0" smtClean="0"/>
+              <a:rPr lang="en-US" sz="2800" b="1" dirty="0"/>
               <a:t>No</a:t>
             </a:r>
             <a:r>
-              <a:rPr lang="en-US" sz="2800" b="1" i="1" dirty="0" smtClean="0"/>
+              <a:rPr lang="en-US" sz="2800" b="1" i="1" dirty="0"/>
               <a:t> </a:t>
             </a:r>
-            <a:endParaRPr lang="en-US" sz="2800" b="1" i="1" dirty="0"/>
           </a:p>
           <a:p>
             <a:pPr>
@@ -12982,10 +12539,6 @@
             <a:r>
               <a:rPr lang="en-US" dirty="0" err="1"/>
               <a:t>etworks</a:t>
-            </a:r>
-            <a:r>
-              <a:rPr lang="tr-TR" dirty="0"/>
-              <a:t/>
             </a:r>
             <a:br>
               <a:rPr lang="tr-TR" dirty="0"/>
@@ -13047,13 +12600,6 @@
   <p:clrMapOvr>
     <a:masterClrMapping/>
   </p:clrMapOvr>
-  <p:timing>
-    <p:tnLst>
-      <p:par>
-        <p:cTn id="1" dur="indefinite" restart="never" nodeType="tmRoot"/>
-      </p:par>
-    </p:tnLst>
-  </p:timing>
 </p:sld>
 </file>
 
@@ -13103,10 +12649,6 @@
               <a:rPr lang="en-US" dirty="0" err="1"/>
               <a:t>etworks</a:t>
             </a:r>
-            <a:r>
-              <a:rPr lang="tr-TR" dirty="0"/>
-              <a:t/>
-            </a:r>
             <a:br>
               <a:rPr lang="tr-TR" dirty="0"/>
             </a:br>
@@ -13145,12 +12687,8 @@
               </a:spcAft>
             </a:pPr>
             <a:r>
-              <a:rPr lang="en-US" sz="2800" dirty="0" smtClean="0"/>
-              <a:t>Deciding </a:t>
-            </a:r>
-            <a:r>
               <a:rPr lang="en-US" sz="2800" dirty="0"/>
-              <a:t>conditional independence is hard in </a:t>
+              <a:t>Deciding conditional independence is hard in </a:t>
             </a:r>
             <a:r>
               <a:rPr lang="en-US" sz="2800" dirty="0" err="1"/>
@@ -13159,19 +12697,7 @@
             <a:r>
               <a:rPr lang="en-US" sz="2800" dirty="0"/>
               <a:t> directions
-</a:t>
-            </a:r>
-            <a:r>
-              <a:rPr lang="en-US" sz="2800" dirty="0" smtClean="0"/>
-              <a:t>Causal </a:t>
-            </a:r>
-            <a:r>
-              <a:rPr lang="en-US" sz="2800" dirty="0"/>
-              <a:t>models and conditional independence seem hardwired for </a:t>
-            </a:r>
-            <a:r>
-              <a:rPr lang="en-US" sz="2800" dirty="0" smtClean="0"/>
-              <a:t>humans</a:t>
+Causal models and conditional independence seem hardwired for humans</a:t>
             </a:r>
             <a:r>
               <a:rPr lang="tr-TR" sz="2800" dirty="0"/>
@@ -13180,17 +12706,9 @@
             <a:r>
               <a:rPr lang="en-US" sz="2800" dirty="0"/>
               <a:t>
-</a:t>
-            </a:r>
-            <a:r>
-              <a:rPr lang="en-US" sz="2800" dirty="0" smtClean="0"/>
-              <a:t>Network </a:t>
-            </a:r>
-            <a:r>
-              <a:rPr lang="en-US" sz="2800" dirty="0"/>
-              <a:t>is less compact: </a:t>
-            </a:r>
-            <a:endParaRPr lang="tr-TR" sz="2800" dirty="0" smtClean="0"/>
+Network is less compact: </a:t>
+            </a:r>
+            <a:endParaRPr lang="tr-TR" sz="2800" dirty="0"/>
           </a:p>
           <a:p>
             <a:pPr lvl="1">
@@ -13199,22 +12717,18 @@
               </a:spcAft>
             </a:pPr>
             <a:r>
-              <a:rPr lang="en-US" sz="2400" dirty="0" smtClean="0"/>
-              <a:t>1 </a:t>
-            </a:r>
-            <a:r>
               <a:rPr lang="en-US" sz="2400" dirty="0"/>
-              <a:t>+ 2 + 4 + 2 + 4 = 13 numbers </a:t>
-            </a:r>
-            <a:r>
-              <a:rPr lang="en-US" sz="2400" err="1" smtClean="0"/>
+              <a:t>1 + 2 + 4 + 2 + 4 = 13 numbers </a:t>
+            </a:r>
+            <a:r>
+              <a:rPr lang="en-US" sz="2400" err="1"/>
               <a:t>neede</a:t>
             </a:r>
             <a:r>
-              <a:rPr lang="tr-TR" sz="2400" smtClean="0"/>
+              <a:rPr lang="tr-TR" sz="2400"/>
               <a:t>d</a:t>
             </a:r>
-            <a:endParaRPr lang="en-US" sz="2400" smtClean="0"/>
+            <a:endParaRPr lang="en-US" sz="2400"/>
           </a:p>
           <a:p>
             <a:pPr lvl="1">
@@ -13224,37 +12738,13 @@
             </a:pPr>
             <a:r>
               <a:rPr lang="en-US" sz="2400"/>
-              <a:t>1 + 2 + 4 + </a:t>
-            </a:r>
-            <a:r>
-              <a:rPr lang="en-US" sz="2400" smtClean="0"/>
-              <a:t>8 </a:t>
-            </a:r>
-            <a:r>
-              <a:rPr lang="en-US" sz="2400"/>
-              <a:t>+ </a:t>
-            </a:r>
-            <a:r>
-              <a:rPr lang="en-US" sz="2400" smtClean="0"/>
-              <a:t>16 </a:t>
-            </a:r>
-            <a:r>
-              <a:rPr lang="en-US" sz="2400"/>
-              <a:t>= </a:t>
-            </a:r>
-            <a:r>
-              <a:rPr lang="en-US" sz="2400" smtClean="0"/>
-              <a:t>31 </a:t>
-            </a:r>
-            <a:r>
-              <a:rPr lang="en-US" sz="2400"/>
-              <a:t>numbers neede</a:t>
-            </a:r>
-            <a:r>
-              <a:rPr lang="tr-TR" sz="2400" smtClean="0"/>
+              <a:t>1 + 2 + 4 + 8 + 16 = 31 numbers neede</a:t>
+            </a:r>
+            <a:r>
+              <a:rPr lang="tr-TR" sz="2400"/>
               <a:t>d</a:t>
             </a:r>
-            <a:endParaRPr lang="en-US" sz="2400" smtClean="0"/>
+            <a:endParaRPr lang="en-US" sz="2400"/>
           </a:p>
           <a:p>
             <a:pPr lvl="1">
@@ -13264,53 +12754,8 @@
             </a:pPr>
             <a:r>
               <a:rPr lang="en-US" sz="2400"/>
-              <a:t>1 + </a:t>
-            </a:r>
-            <a:r>
-              <a:rPr lang="en-US" sz="2400" smtClean="0"/>
-              <a:t>1 </a:t>
-            </a:r>
-            <a:r>
-              <a:rPr lang="en-US" sz="2400"/>
-              <a:t>+ </a:t>
-            </a:r>
-            <a:r>
-              <a:rPr lang="en-US" sz="2400" smtClean="0"/>
-              <a:t>4 </a:t>
-            </a:r>
-            <a:r>
-              <a:rPr lang="en-US" sz="2400"/>
-              <a:t>+ </a:t>
-            </a:r>
-            <a:r>
-              <a:rPr lang="en-US" sz="2400" smtClean="0"/>
-              <a:t>2 </a:t>
-            </a:r>
-            <a:r>
-              <a:rPr lang="en-US" sz="2400"/>
-              <a:t>+ </a:t>
-            </a:r>
-            <a:r>
-              <a:rPr lang="en-US" sz="2400" smtClean="0"/>
-              <a:t>2 </a:t>
-            </a:r>
-            <a:r>
-              <a:rPr lang="en-US" sz="2400"/>
-              <a:t>= </a:t>
-            </a:r>
-            <a:r>
-              <a:rPr lang="en-US" sz="2400" smtClean="0"/>
-              <a:t>10 </a:t>
-            </a:r>
-            <a:r>
-              <a:rPr lang="en-US" sz="2400"/>
-              <a:t>numbers </a:t>
-            </a:r>
-            <a:r>
-              <a:rPr lang="en-US" sz="2400" smtClean="0"/>
-              <a:t>in original network</a:t>
-            </a:r>
-            <a:endParaRPr lang="en-US" sz="2400"/>
+              <a:t>1 + 1 + 4 + 2 + 2 = 10 numbers in original network</a:t>
+            </a:r>
           </a:p>
           <a:p>
             <a:pPr lvl="1">
@@ -13420,13 +12865,6 @@
   <p:clrMapOvr>
     <a:masterClrMapping/>
   </p:clrMapOvr>
-  <p:timing>
-    <p:tnLst>
-      <p:par>
-        <p:cTn id="1" dur="indefinite" restart="never" nodeType="tmRoot"/>
-      </p:par>
-    </p:tnLst>
-  </p:timing>
 </p:sld>
 </file>
 
@@ -13471,7 +12909,7 @@
               <a:t>: Car </a:t>
             </a:r>
             <a:r>
-              <a:rPr lang="tr-TR" dirty="0" err="1" smtClean="0"/>
+              <a:rPr lang="tr-TR" dirty="0" err="1"/>
               <a:t>Diagnosis</a:t>
             </a:r>
             <a:endParaRPr lang="tr-TR" dirty="0"/>
@@ -13508,17 +12946,13 @@
           <a:p>
             <a:r>
               <a:rPr lang="en-US" sz="2400" dirty="0"/>
-              <a:t>Testable variables (green</a:t>
-            </a:r>
-            <a:r>
-              <a:rPr lang="en-US" sz="2400" dirty="0" smtClean="0"/>
-              <a:t>)</a:t>
-            </a:r>
-            <a:endParaRPr lang="tr-TR" sz="2400" dirty="0" smtClean="0"/>
-          </a:p>
-          <a:p>
-            <a:r>
-              <a:rPr lang="tr-TR" sz="2400" dirty="0" smtClean="0"/>
+              <a:t>Testable variables (green)</a:t>
+            </a:r>
+            <a:endParaRPr lang="tr-TR" sz="2400" dirty="0"/>
+          </a:p>
+          <a:p>
+            <a:r>
+              <a:rPr lang="tr-TR" sz="2400" dirty="0"/>
               <a:t>«</a:t>
             </a:r>
             <a:r>
@@ -13564,18 +12998,18 @@
               <a:t>gray</a:t>
             </a:r>
             <a:r>
-              <a:rPr lang="tr-TR" sz="2400" dirty="0" smtClean="0"/>
+              <a:rPr lang="tr-TR" sz="2400" dirty="0"/>
               <a:t>)</a:t>
             </a:r>
           </a:p>
           <a:p>
             <a:pPr lvl="1"/>
             <a:r>
-              <a:rPr lang="tr-TR" sz="2000" dirty="0" err="1" smtClean="0"/>
+              <a:rPr lang="tr-TR" sz="2000" dirty="0" err="1"/>
               <a:t>ensure</a:t>
             </a:r>
             <a:r>
-              <a:rPr lang="tr-TR" sz="2000" dirty="0" smtClean="0"/>
+              <a:rPr lang="tr-TR" sz="2000" dirty="0"/>
               <a:t> </a:t>
             </a:r>
             <a:r>
@@ -13594,16 +13028,15 @@
               <a:rPr lang="tr-TR" sz="2000" dirty="0"/>
               <a:t>, </a:t>
             </a:r>
-            <a:endParaRPr lang="tr-TR" sz="2000" dirty="0" smtClean="0"/>
           </a:p>
           <a:p>
             <a:pPr lvl="1"/>
             <a:r>
-              <a:rPr lang="tr-TR" sz="2000" dirty="0" err="1" smtClean="0"/>
+              <a:rPr lang="tr-TR" sz="2000" dirty="0" err="1"/>
               <a:t>reduce</a:t>
             </a:r>
             <a:r>
-              <a:rPr lang="tr-TR" sz="2000" dirty="0" smtClean="0"/>
+              <a:rPr lang="tr-TR" sz="2000" dirty="0"/>
               <a:t> </a:t>
             </a:r>
             <a:r>
@@ -13688,13 +13121,6 @@
   <p:clrMapOvr>
     <a:masterClrMapping/>
   </p:clrMapOvr>
-  <p:timing>
-    <p:tnLst>
-      <p:par>
-        <p:cTn id="1" dur="indefinite" restart="never" nodeType="tmRoot"/>
-      </p:par>
-    </p:tnLst>
-  </p:timing>
 </p:sld>
 </file>
 
@@ -13739,7 +13165,7 @@
               <a:t>: Car </a:t>
             </a:r>
             <a:r>
-              <a:rPr lang="tr-TR" dirty="0" err="1" smtClean="0"/>
+              <a:rPr lang="tr-TR" dirty="0" err="1"/>
               <a:t>Insurance</a:t>
             </a:r>
             <a:endParaRPr lang="tr-TR" dirty="0"/>
@@ -13795,13 +13221,6 @@
   <p:clrMapOvr>
     <a:masterClrMapping/>
   </p:clrMapOvr>
-  <p:timing>
-    <p:tnLst>
-      <p:par>
-        <p:cTn id="1" dur="indefinite" restart="never" nodeType="tmRoot"/>
-      </p:par>
-    </p:tnLst>
-  </p:timing>
 </p:sld>
 </file>
 
@@ -13869,30 +13288,14 @@
             <a:pPr algn="just"/>
             <a:r>
               <a:rPr lang="en-US" sz="2800" dirty="0"/>
-              <a:t>Bayesian networks provide a natural representation for </a:t>
-            </a:r>
-            <a:r>
-              <a:rPr lang="en-US" sz="2800" dirty="0" smtClean="0"/>
-              <a:t>causally induced </a:t>
-            </a:r>
+              <a:t>Bayesian networks provide a natural representation for causally induced conditional independence</a:t>
+            </a:r>
+          </a:p>
+          <a:p>
+            <a:pPr algn="just"/>
             <a:r>
               <a:rPr lang="en-US" sz="2800" dirty="0"/>
-              <a:t>conditional independence</a:t>
-            </a:r>
-          </a:p>
-          <a:p>
-            <a:pPr algn="just"/>
-            <a:r>
-              <a:rPr lang="en-US" sz="2800" dirty="0"/>
-              <a:t>Topology + CPTs </a:t>
-            </a:r>
-            <a:r>
-              <a:rPr lang="en-US" sz="2800" dirty="0" smtClean="0"/>
-              <a:t>= </a:t>
-            </a:r>
-            <a:r>
-              <a:rPr lang="en-US" sz="2800" dirty="0"/>
-              <a:t>compact representation of joint distribution</a:t>
+              <a:t>Topology + CPTs = compact representation of joint distribution</a:t>
             </a:r>
           </a:p>
           <a:p>
@@ -13914,13 +13317,6 @@
   <p:clrMapOvr>
     <a:masterClrMapping/>
   </p:clrMapOvr>
-  <p:timing>
-    <p:tnLst>
-      <p:par>
-        <p:cTn id="1" dur="indefinite" restart="never" nodeType="tmRoot"/>
-      </p:par>
-    </p:tnLst>
-  </p:timing>
 </p:sld>
 </file>
 
@@ -13957,10 +13353,9 @@
           <a:lstStyle/>
           <a:p>
             <a:r>
-              <a:rPr lang="en-US" smtClean="0"/>
+              <a:rPr lang="en-US"/>
               <a:t>Bayesian Network Problem</a:t>
             </a:r>
-            <a:endParaRPr lang="en-US"/>
           </a:p>
         </p:txBody>
       </p:sp>
@@ -13987,48 +13382,27 @@
           <a:lstStyle/>
           <a:p>
             <a:r>
-              <a:rPr lang="en-US" smtClean="0"/>
-              <a:t>P(X=p</a:t>
-            </a:r>
-            <a:r>
               <a:rPr lang="en-US"/>
-              <a:t>, N=n, H=d, S=d, K=a) </a:t>
-            </a:r>
-            <a:r>
-              <a:rPr lang="en-US" smtClean="0"/>
-              <a:t>= ?</a:t>
+              <a:t>P(X=p, N=n, H=d, S=d, K=a) = ?</a:t>
             </a:r>
           </a:p>
           <a:p>
             <a:r>
               <a:rPr lang="en-US"/>
-              <a:t>P(X=p) </a:t>
-            </a:r>
-            <a:r>
-              <a:rPr lang="en-US" smtClean="0"/>
-              <a:t>= ?</a:t>
+              <a:t>P(X=p) = ?</a:t>
             </a:r>
           </a:p>
           <a:p>
             <a:r>
               <a:rPr lang="en-US"/>
-              <a:t>P(H=d | N=p</a:t>
-            </a:r>
-            <a:r>
-              <a:rPr lang="en-US" smtClean="0"/>
-              <a:t>) = ?</a:t>
+              <a:t>P(H=d | N=p) = ?</a:t>
             </a:r>
           </a:p>
           <a:p>
             <a:r>
               <a:rPr lang="en-US"/>
-              <a:t>P(H=d | S=d</a:t>
-            </a:r>
-            <a:r>
-              <a:rPr lang="en-US" smtClean="0"/>
-              <a:t>) = ?</a:t>
-            </a:r>
-            <a:endParaRPr lang="en-US"/>
+              <a:t>P(H=d | S=d) = ?</a:t>
+            </a:r>
           </a:p>
         </p:txBody>
       </p:sp>
@@ -14094,13 +13468,6 @@
   <p:clrMapOvr>
     <a:masterClrMapping/>
   </p:clrMapOvr>
-  <p:timing>
-    <p:tnLst>
-      <p:par>
-        <p:cTn id="1" dur="indefinite" restart="never" nodeType="tmRoot"/>
-      </p:par>
-    </p:tnLst>
-  </p:timing>
 </p:sld>
 </file>
 
@@ -14145,18 +13512,17 @@
               <a:t>N</a:t>
             </a:r>
             <a:r>
-              <a:rPr lang="en-US" dirty="0" err="1" smtClean="0"/>
+              <a:rPr lang="en-US" dirty="0" err="1"/>
               <a:t>etwork</a:t>
             </a:r>
             <a:r>
-              <a:rPr lang="tr-TR" dirty="0" smtClean="0"/>
+              <a:rPr lang="tr-TR" dirty="0"/>
               <a:t> </a:t>
             </a:r>
             <a:r>
-              <a:rPr lang="en-US" dirty="0" smtClean="0"/>
+              <a:rPr lang="en-US" dirty="0"/>
               <a:t>Example</a:t>
             </a:r>
-            <a:endParaRPr lang="en-US" dirty="0"/>
           </a:p>
         </p:txBody>
       </p:sp>
@@ -14188,18 +13554,14 @@
               </a:lnSpc>
             </a:pPr>
             <a:r>
-              <a:rPr lang="en-US" sz="2800" smtClean="0"/>
+              <a:rPr lang="en-US" sz="2800"/>
               <a:t>Peter is </a:t>
             </a:r>
             <a:r>
               <a:rPr lang="en-US" sz="2800" dirty="0"/>
-              <a:t>at work</a:t>
-            </a:r>
-            <a:r>
-              <a:rPr lang="en-US" sz="2800" dirty="0" smtClean="0"/>
-              <a:t>, </a:t>
-            </a:r>
-            <a:endParaRPr lang="tr-TR" sz="2800" dirty="0" smtClean="0"/>
+              <a:t>at work, </a:t>
+            </a:r>
+            <a:endParaRPr lang="tr-TR" sz="2800" dirty="0"/>
           </a:p>
           <a:p>
             <a:pPr lvl="1">
@@ -14208,26 +13570,18 @@
               </a:lnSpc>
             </a:pPr>
             <a:r>
-              <a:rPr lang="en-US" sz="2400" dirty="0" smtClean="0"/>
-              <a:t>neighbor </a:t>
-            </a:r>
-            <a:r>
               <a:rPr lang="en-US" sz="2400" dirty="0"/>
-              <a:t>John calls to </a:t>
+              <a:t>neighbor John calls to </a:t>
             </a:r>
             <a:r>
               <a:rPr lang="en-US" sz="2400"/>
-              <a:t>say </a:t>
-            </a:r>
-            <a:r>
-              <a:rPr lang="en-US" sz="2400" smtClean="0"/>
-              <a:t>his </a:t>
+              <a:t>say his </a:t>
             </a:r>
             <a:r>
               <a:rPr lang="en-US" sz="2400" dirty="0"/>
               <a:t>alarm is ringing, but neighbor Mary doesn't call. </a:t>
             </a:r>
-            <a:endParaRPr lang="tr-TR" sz="2400" dirty="0" smtClean="0"/>
+            <a:endParaRPr lang="tr-TR" sz="2400" dirty="0"/>
           </a:p>
           <a:p>
             <a:pPr lvl="1">
@@ -14236,14 +13590,10 @@
               </a:lnSpc>
             </a:pPr>
             <a:r>
-              <a:rPr lang="en-US" sz="2400" dirty="0" smtClean="0"/>
-              <a:t>Sometimes </a:t>
-            </a:r>
-            <a:r>
               <a:rPr lang="en-US" sz="2400" dirty="0"/>
-              <a:t>it's set off by minor earthquakes. </a:t>
-            </a:r>
-            <a:endParaRPr lang="tr-TR" sz="2400" dirty="0" smtClean="0"/>
+              <a:t>Sometimes it's set off by minor earthquakes. </a:t>
+            </a:r>
+            <a:endParaRPr lang="tr-TR" sz="2400" dirty="0"/>
           </a:p>
           <a:p>
             <a:pPr lvl="1">
@@ -14252,18 +13602,9 @@
               </a:lnSpc>
             </a:pPr>
             <a:r>
-              <a:rPr lang="en-US" sz="2400" dirty="0" smtClean="0"/>
-              <a:t>Is </a:t>
-            </a:r>
-            <a:r>
               <a:rPr lang="en-US" sz="2400" dirty="0"/>
-              <a:t>there a burglar</a:t>
-            </a:r>
-            <a:r>
-              <a:rPr lang="en-US" sz="2400" dirty="0" smtClean="0"/>
-              <a:t>?</a:t>
-            </a:r>
-            <a:endParaRPr lang="en-US" sz="2400" dirty="0"/>
+              <a:t>Is there a burglar?</a:t>
+            </a:r>
           </a:p>
           <a:p>
             <a:pPr>
@@ -14275,7 +13616,7 @@
               <a:rPr lang="en-US" sz="2800" dirty="0"/>
               <a:t>Variables: </a:t>
             </a:r>
-            <a:endParaRPr lang="tr-TR" sz="2800" dirty="0" smtClean="0"/>
+            <a:endParaRPr lang="tr-TR" sz="2800" dirty="0"/>
           </a:p>
           <a:p>
             <a:pPr lvl="1">
@@ -14284,39 +13625,39 @@
               </a:lnSpc>
             </a:pPr>
             <a:r>
-              <a:rPr lang="en-US" sz="2400" i="1" smtClean="0"/>
+              <a:rPr lang="en-US" sz="2400" i="1"/>
               <a:t>Burglary (B)</a:t>
             </a:r>
             <a:r>
-              <a:rPr lang="en-US" sz="2400" smtClean="0"/>
+              <a:rPr lang="en-US" sz="2400"/>
               <a:t>, </a:t>
             </a:r>
             <a:r>
-              <a:rPr lang="en-US" sz="2400" i="1" smtClean="0"/>
+              <a:rPr lang="en-US" sz="2400" i="1"/>
               <a:t>Earthquake (E)</a:t>
             </a:r>
             <a:r>
-              <a:rPr lang="en-US" sz="2400" smtClean="0"/>
+              <a:rPr lang="en-US" sz="2400"/>
               <a:t>, </a:t>
             </a:r>
             <a:r>
-              <a:rPr lang="en-US" sz="2400" i="1" smtClean="0"/>
+              <a:rPr lang="en-US" sz="2400" i="1"/>
               <a:t>Alarm (A)</a:t>
             </a:r>
             <a:r>
-              <a:rPr lang="en-US" sz="2400" smtClean="0"/>
+              <a:rPr lang="en-US" sz="2400"/>
               <a:t>, </a:t>
             </a:r>
             <a:r>
-              <a:rPr lang="en-US" sz="2400" i="1" smtClean="0"/>
+              <a:rPr lang="en-US" sz="2400" i="1"/>
               <a:t>JohnCalls (J)</a:t>
             </a:r>
             <a:r>
-              <a:rPr lang="en-US" sz="2400" smtClean="0"/>
+              <a:rPr lang="en-US" sz="2400"/>
               <a:t>, </a:t>
             </a:r>
             <a:r>
-              <a:rPr lang="en-US" sz="2400" i="1" smtClean="0"/>
+              <a:rPr lang="en-US" sz="2400" i="1"/>
               <a:t>MaryCalls (M)</a:t>
             </a:r>
             <a:endParaRPr lang="en-US" sz="2400" dirty="0"/>
@@ -14328,12 +13669,8 @@
               </a:lnSpc>
             </a:pPr>
             <a:r>
-              <a:rPr lang="en-US" sz="2800" dirty="0" smtClean="0"/>
-              <a:t>Network </a:t>
-            </a:r>
-            <a:r>
               <a:rPr lang="en-US" sz="2800" dirty="0"/>
-              <a:t>topology reflects "causal" knowledge:</a:t>
+              <a:t>Network topology reflects "causal" knowledge:</a:t>
             </a:r>
           </a:p>
           <a:p>
@@ -14381,11 +13718,7 @@
             </a:r>
             <a:r>
               <a:rPr lang="en-US" sz="2400"/>
-              <a:t>to </a:t>
-            </a:r>
-            <a:r>
-              <a:rPr lang="en-US" sz="2400" smtClean="0"/>
-              <a:t>call</a:t>
+              <a:t>to call</a:t>
             </a:r>
             <a:endParaRPr lang="en-US" sz="2400" dirty="0"/>
           </a:p>
@@ -14401,13 +13734,6 @@
   <p:clrMapOvr>
     <a:masterClrMapping/>
   </p:clrMapOvr>
-  <p:timing>
-    <p:tnLst>
-      <p:par>
-        <p:cTn id="1" dur="indefinite" restart="never" nodeType="tmRoot"/>
-      </p:par>
-    </p:tnLst>
-  </p:timing>
 </p:sld>
 </file>
 
@@ -14516,13 +13842,6 @@
   <p:clrMapOvr>
     <a:masterClrMapping/>
   </p:clrMapOvr>
-  <p:timing>
-    <p:tnLst>
-      <p:par>
-        <p:cTn id="1" dur="indefinite" restart="never" nodeType="tmRoot"/>
-      </p:par>
-    </p:tnLst>
-  </p:timing>
 </p:sld>
 </file>
 
@@ -14609,13 +13928,9 @@
             </a:r>
             <a:r>
               <a:rPr lang="en-US" sz="2400" dirty="0"/>
-              <a:t> Boolean parents </a:t>
-            </a:r>
-            <a:r>
-              <a:rPr lang="en-US" sz="2400" dirty="0" smtClean="0"/>
-              <a:t>has</a:t>
-            </a:r>
-            <a:endParaRPr lang="tr-TR" sz="2400" dirty="0" smtClean="0"/>
+              <a:t> Boolean parents has</a:t>
+            </a:r>
+            <a:endParaRPr lang="tr-TR" sz="2400" dirty="0"/>
           </a:p>
           <a:p>
             <a:pPr marL="0" indent="0">
@@ -14625,11 +13940,11 @@
               <a:buNone/>
             </a:pPr>
             <a:r>
-              <a:rPr lang="tr-TR" sz="2400" dirty="0" smtClean="0"/>
+              <a:rPr lang="tr-TR" sz="2400" dirty="0"/>
               <a:t>     </a:t>
             </a:r>
             <a:r>
-              <a:rPr lang="en-US" sz="2400" dirty="0" smtClean="0"/>
+              <a:rPr lang="en-US" sz="2400" dirty="0"/>
               <a:t> </a:t>
             </a:r>
             <a:r>
@@ -14642,13 +13957,9 @@
             </a:r>
             <a:r>
               <a:rPr lang="en-US" sz="2400" dirty="0"/>
-              <a:t> rows for the combinations of parent </a:t>
-            </a:r>
-            <a:r>
-              <a:rPr lang="en-US" sz="2400" dirty="0" smtClean="0"/>
-              <a:t>values</a:t>
-            </a:r>
-            <a:endParaRPr lang="tr-TR" sz="2400" dirty="0" smtClean="0"/>
+              <a:t> rows for the combinations of parent values</a:t>
+            </a:r>
+            <a:endParaRPr lang="tr-TR" sz="2400" dirty="0"/>
           </a:p>
           <a:p>
             <a:pPr>
@@ -14657,12 +13968,8 @@
               </a:spcAft>
             </a:pPr>
             <a:r>
-              <a:rPr lang="en-US" sz="2400" dirty="0" smtClean="0"/>
-              <a:t>Each </a:t>
-            </a:r>
-            <a:r>
               <a:rPr lang="en-US" sz="2400" dirty="0"/>
-              <a:t>row requires one number </a:t>
+              <a:t>Each row requires one number </a:t>
             </a:r>
             <a:r>
               <a:rPr lang="en-US" sz="2400" i="1" dirty="0"/>
@@ -14716,19 +14023,15 @@
               <a:t>1-p</a:t>
             </a:r>
             <a:r>
-              <a:rPr lang="en-US" sz="2400" dirty="0" smtClean="0"/>
+              <a:rPr lang="en-US" sz="2400" dirty="0"/>
               <a:t>)</a:t>
             </a:r>
-            <a:endParaRPr lang="tr-TR" sz="2400" dirty="0" smtClean="0"/>
-          </a:p>
-          <a:p>
-            <a:r>
-              <a:rPr lang="en-US" sz="2400" dirty="0" smtClean="0"/>
-              <a:t>If </a:t>
-            </a:r>
+            <a:endParaRPr lang="tr-TR" sz="2400" dirty="0"/>
+          </a:p>
+          <a:p>
             <a:r>
               <a:rPr lang="en-US" sz="2400" dirty="0"/>
-              <a:t>each variable has no more than </a:t>
+              <a:t>If each variable has no more than </a:t>
             </a:r>
             <a:r>
               <a:rPr lang="en-US" sz="2400" i="1" dirty="0"/>
@@ -14797,16 +14100,12 @@
           <a:p>
             <a:pPr lvl="1"/>
             <a:r>
-              <a:rPr lang="tr-TR" sz="2000" dirty="0" smtClean="0"/>
+              <a:rPr lang="tr-TR" sz="2000" dirty="0"/>
               <a:t>i</a:t>
             </a:r>
             <a:r>
-              <a:rPr lang="en-US" sz="2000" dirty="0" smtClean="0"/>
-              <a:t>.e</a:t>
-            </a:r>
-            <a:r>
               <a:rPr lang="en-US" sz="2000" dirty="0"/>
-              <a:t>., grows linearly with </a:t>
+              <a:t>.e., grows linearly with </a:t>
             </a:r>
             <a:r>
               <a:rPr lang="en-US" sz="2000" i="1" dirty="0"/>
@@ -14852,27 +14151,18 @@
             </a:r>
             <a:r>
               <a:rPr lang="en-US" sz="2000" dirty="0"/>
-              <a:t>for the full joint </a:t>
-            </a:r>
-            <a:r>
-              <a:rPr lang="en-US" sz="2000" dirty="0" smtClean="0"/>
-              <a:t>distribution</a:t>
-            </a:r>
-            <a:endParaRPr lang="en-US" sz="2000" dirty="0"/>
+              <a:t>for the full joint distribution</a:t>
+            </a:r>
           </a:p>
           <a:p>
             <a:pPr lvl="1"/>
             <a:r>
-              <a:rPr lang="tr-TR" sz="2000" dirty="0" smtClean="0"/>
+              <a:rPr lang="tr-TR" sz="2000" dirty="0"/>
               <a:t>f</a:t>
             </a:r>
             <a:r>
-              <a:rPr lang="en-US" sz="2000" dirty="0" smtClean="0"/>
-              <a:t>or </a:t>
-            </a:r>
-            <a:r>
               <a:rPr lang="en-US" sz="2000" dirty="0"/>
-              <a:t>burglary net, 1 + 1 + 4 + 2 + 2 = 10 numbers (vs. 2</a:t>
+              <a:t>or burglary net, 1 + 1 + 4 + 2 + 2 = 10 numbers (vs. 2</a:t>
             </a:r>
             <a:r>
               <a:rPr lang="en-US" sz="2000" baseline="30000" dirty="0"/>
@@ -14962,13 +14252,6 @@
   <p:clrMapOvr>
     <a:masterClrMapping/>
   </p:clrMapOvr>
-  <p:timing>
-    <p:tnLst>
-      <p:par>
-        <p:cTn id="1" dur="indefinite" restart="never" nodeType="tmRoot"/>
-      </p:par>
-    </p:tnLst>
-  </p:timing>
 </p:sld>
 </file>
 
@@ -15005,14 +14288,13 @@
           <a:lstStyle/>
           <a:p>
             <a:r>
-              <a:rPr lang="tr-TR" dirty="0" smtClean="0"/>
+              <a:rPr lang="tr-TR" dirty="0"/>
               <a:t>Global </a:t>
             </a:r>
             <a:r>
-              <a:rPr lang="en-US" dirty="0" smtClean="0"/>
+              <a:rPr lang="en-US" dirty="0"/>
               <a:t>Semantics</a:t>
             </a:r>
-            <a:endParaRPr lang="en-US" dirty="0"/>
           </a:p>
         </p:txBody>
       </p:sp>
@@ -15049,15 +14331,15 @@
                   </a:spcAft>
                 </a:pPr>
                 <a:r>
-                  <a:rPr lang="tr-TR" sz="2800" dirty="0" smtClean="0"/>
+                  <a:rPr lang="tr-TR" sz="2800" dirty="0"/>
                   <a:t>In global </a:t>
                 </a:r>
                 <a:r>
-                  <a:rPr lang="tr-TR" sz="2800" dirty="0" err="1" smtClean="0"/>
+                  <a:rPr lang="tr-TR" sz="2800" dirty="0" err="1"/>
                   <a:t>semantics</a:t>
                 </a:r>
                 <a:r>
-                  <a:rPr lang="tr-TR" sz="2800" dirty="0" smtClean="0"/>
+                  <a:rPr lang="tr-TR" sz="2800" dirty="0"/>
                   <a:t>:</a:t>
                 </a:r>
               </a:p>
@@ -15074,27 +14356,19 @@
                 </a:pPr>
                 <a:r>
                   <a:rPr lang="tr-TR" sz="2800" dirty="0"/>
+                  <a:t>	t</a:t>
+                </a:r>
+                <a:r>
+                  <a:rPr lang="en-US" sz="2800" dirty="0"/>
+                  <a:t>he full joint distribution is defined as the product of </a:t>
+                </a:r>
+                <a:r>
+                  <a:rPr lang="tr-TR" sz="2800" dirty="0"/>
                   <a:t>	</a:t>
                 </a:r>
                 <a:r>
-                  <a:rPr lang="tr-TR" sz="2800" dirty="0" smtClean="0"/>
-                  <a:t>t</a:t>
-                </a:r>
-                <a:r>
-                  <a:rPr lang="en-US" sz="2800" dirty="0" smtClean="0"/>
-                  <a:t>he full joint distribution is defined as the product of </a:t>
-                </a:r>
-                <a:r>
-                  <a:rPr lang="tr-TR" sz="2800" dirty="0" smtClean="0"/>
-                  <a:t>	</a:t>
-                </a:r>
-                <a:r>
-                  <a:rPr lang="en-US" sz="2800" dirty="0" smtClean="0"/>
-                  <a:t>the local conditional </a:t>
-                </a:r>
-                <a:r>
-                  <a:rPr lang="en-US" sz="2800" smtClean="0"/>
-                  <a:t>distributions:</a:t>
+                  <a:rPr lang="en-US" sz="2800" dirty="0"/>
+                  <a:t>the local conditional distributions:</a:t>
                 </a:r>
               </a:p>
               <a:p>
@@ -15109,7 +14383,7 @@
                   <a:buNone/>
                 </a:pPr>
                 <a:r>
-                  <a:rPr lang="tr-TR" sz="2800" b="1" smtClean="0"/>
+                  <a:rPr lang="tr-TR" sz="2800" b="1" dirty="0"/>
                   <a:t>      </a:t>
                 </a:r>
                 <a14:m>
@@ -15228,7 +14502,7 @@
                   </m:oMath>
                 </a14:m>
                 <a:r>
-                  <a:rPr lang="en-US" sz="2800" i="1" dirty="0" smtClean="0"/>
+                  <a:rPr lang="en-US" sz="2800" i="1" dirty="0"/>
                   <a:t>= </a:t>
                 </a:r>
                 <a14:m>
@@ -15372,16 +14646,12 @@
                   <a:buNone/>
                 </a:pPr>
                 <a:r>
-                  <a:rPr lang="tr-TR" sz="2800" dirty="0" smtClean="0"/>
+                  <a:rPr lang="tr-TR" sz="2800" dirty="0"/>
                   <a:t>      </a:t>
                 </a:r>
                 <a:r>
-                  <a:rPr lang="en-US" sz="2800" dirty="0" smtClean="0"/>
-                  <a:t>e.g</a:t>
-                </a:r>
-                <a:r>
                   <a:rPr lang="en-US" sz="2800" dirty="0"/>
-                  <a:t>., </a:t>
+                  <a:t>e.g., </a:t>
                 </a:r>
                 <a14:m>
                   <m:oMath xmlns:m="http://schemas.openxmlformats.org/officeDocument/2006/math">
@@ -15461,7 +14731,7 @@
                     </m:r>
                   </m:oMath>
                 </a14:m>
-                <a:endParaRPr lang="en-US" sz="2800" i="1" dirty="0" smtClean="0"/>
+                <a:endParaRPr lang="en-US" sz="2800" i="1" dirty="0"/>
               </a:p>
               <a:p>
                 <a:pPr>
@@ -15475,11 +14745,11 @@
                   <a:buNone/>
                 </a:pPr>
                 <a:r>
-                  <a:rPr lang="en-US" sz="2800" i="1" dirty="0" smtClean="0"/>
+                  <a:rPr lang="en-US" sz="2800" i="1" dirty="0"/>
                   <a:t>	</a:t>
                 </a:r>
                 <a:r>
-                  <a:rPr lang="tr-TR" sz="2800" i="1" dirty="0" smtClean="0"/>
+                  <a:rPr lang="tr-TR" sz="2800" i="1" dirty="0"/>
                   <a:t>       </a:t>
                 </a:r>
                 <a14:m>
@@ -15691,7 +14961,7 @@
                     </m:d>
                   </m:oMath>
                 </a14:m>
-                <a:endParaRPr lang="tr-TR" sz="2800" b="1" i="1" dirty="0" smtClean="0">
+                <a:endParaRPr lang="tr-TR" sz="2800" b="1" i="1" dirty="0">
                   <a:latin typeface="Cambria Math"/>
                 </a:endParaRPr>
               </a:p>
@@ -15775,7 +15045,7 @@
                     </m:oMath>
                   </m:oMathPara>
                 </a14:m>
-                <a:endParaRPr lang="tr-TR" sz="2000" dirty="0" smtClean="0"/>
+                <a:endParaRPr lang="tr-TR" sz="2000" dirty="0"/>
               </a:p>
               <a:p>
                 <a:pPr>
@@ -15789,11 +15059,10 @@
                   <a:buNone/>
                 </a:pPr>
                 <a:r>
-                  <a:rPr lang="en-US" sz="2000" dirty="0" smtClean="0"/>
+                  <a:rPr lang="en-US" sz="2000" dirty="0"/>
                   <a:t>
 </a:t>
                 </a:r>
-                <a:endParaRPr lang="en-US" sz="2000" dirty="0"/>
               </a:p>
             </p:txBody>
           </p:sp>
@@ -15846,13 +15115,6 @@
   <p:clrMapOvr>
     <a:masterClrMapping/>
   </p:clrMapOvr>
-  <p:timing>
-    <p:tnLst>
-      <p:par>
-        <p:cTn id="1" dur="indefinite" restart="never" nodeType="tmRoot"/>
-      </p:par>
-    </p:tnLst>
-  </p:timing>
 </p:sld>
 </file>
 
@@ -15961,13 +15223,6 @@
   <p:clrMapOvr>
     <a:masterClrMapping/>
   </p:clrMapOvr>
-  <p:timing>
-    <p:tnLst>
-      <p:par>
-        <p:cTn id="1" dur="indefinite" restart="never" nodeType="tmRoot"/>
-      </p:par>
-    </p:tnLst>
-  </p:timing>
 </p:sld>
 </file>
 
@@ -16004,187 +15259,134 @@
           <a:lstStyle/>
           <a:p>
             <a:r>
-              <a:rPr lang="tr-TR" dirty="0" err="1" smtClean="0"/>
+              <a:rPr lang="tr-TR" dirty="0" err="1"/>
               <a:t>Local</a:t>
             </a:r>
-            <a:r>
-              <a:rPr lang="tr-TR" dirty="0" smtClean="0"/>
-              <a:t> </a:t>
-            </a:r>
-            <a:r>
-              <a:rPr lang="tr-TR" dirty="0" err="1" smtClean="0"/>
-              <a:t>Semantics</a:t>
-            </a:r>
-            <a:endParaRPr lang="tr-TR" dirty="0"/>
-          </a:p>
-        </p:txBody>
-      </p:sp>
-      <p:sp>
-        <p:nvSpPr>
-          <p:cNvPr id="3" name="İçerik Yer Tutucusu 2"/>
-          <p:cNvSpPr>
-            <a:spLocks noGrp="1"/>
-          </p:cNvSpPr>
-          <p:nvPr>
-            <p:ph idx="1"/>
-          </p:nvPr>
-        </p:nvSpPr>
-        <p:spPr>
-          <a:xfrm>
-            <a:off x="457200" y="1600201"/>
-            <a:ext cx="8229600" cy="1252736"/>
-          </a:xfrm>
-        </p:spPr>
-        <p:txBody>
-          <a:bodyPr>
-            <a:normAutofit fontScale="85000" lnSpcReduction="20000"/>
-          </a:bodyPr>
-          <a:lstStyle/>
-          <a:p>
-            <a:r>
-              <a:rPr lang="tr-TR" dirty="0" err="1" smtClean="0"/>
-              <a:t>In</a:t>
-            </a:r>
-            <a:r>
-              <a:rPr lang="tr-TR" dirty="0" smtClean="0"/>
-              <a:t> l</a:t>
-            </a:r>
-            <a:r>
-              <a:rPr lang="en-US" dirty="0" err="1" smtClean="0"/>
-              <a:t>ocal</a:t>
-            </a:r>
-            <a:r>
-              <a:rPr lang="en-US" dirty="0" smtClean="0"/>
-              <a:t> </a:t>
-            </a:r>
-            <a:r>
-              <a:rPr lang="en-US" dirty="0"/>
-              <a:t>semantics: </a:t>
-            </a:r>
-            <a:endParaRPr lang="tr-TR" dirty="0" smtClean="0"/>
-          </a:p>
-          <a:p>
-            <a:pPr marL="0" indent="0">
-              <a:buNone/>
-            </a:pPr>
-            <a:r>
-              <a:rPr lang="tr-TR" dirty="0" smtClean="0"/>
-              <a:t>    	e</a:t>
-            </a:r>
-            <a:r>
-              <a:rPr lang="en-US" dirty="0" smtClean="0"/>
-              <a:t>ach </a:t>
-            </a:r>
-            <a:r>
-              <a:rPr lang="en-US" dirty="0"/>
-              <a:t>node is conditionally </a:t>
-            </a:r>
-            <a:r>
-              <a:rPr lang="en-US" dirty="0" smtClean="0"/>
-              <a:t>independent</a:t>
-            </a:r>
-            <a:r>
-              <a:rPr lang="tr-TR" dirty="0" smtClean="0"/>
-              <a:t> </a:t>
-            </a:r>
-            <a:r>
-              <a:rPr lang="en-US" dirty="0" smtClean="0"/>
-              <a:t>of </a:t>
-            </a:r>
-            <a:r>
-              <a:rPr lang="en-US" dirty="0"/>
-              <a:t>its </a:t>
-            </a:r>
-            <a:r>
-              <a:rPr lang="tr-TR" dirty="0" smtClean="0"/>
-              <a:t> </a:t>
-            </a:r>
-          </a:p>
-          <a:p>
-            <a:pPr marL="0" indent="0">
-              <a:buNone/>
-            </a:pPr>
             <a:r>
               <a:rPr lang="tr-TR" dirty="0"/>
               <a:t> </a:t>
             </a:r>
             <a:r>
-              <a:rPr lang="tr-TR" dirty="0" smtClean="0"/>
-              <a:t>   	</a:t>
-            </a:r>
-            <a:r>
-              <a:rPr lang="en-US" dirty="0" err="1" smtClean="0"/>
-              <a:t>nondescendants</a:t>
-            </a:r>
-            <a:r>
-              <a:rPr lang="en-US" dirty="0" smtClean="0"/>
-              <a:t> </a:t>
-            </a:r>
-            <a:r>
-              <a:rPr lang="en-US" dirty="0"/>
-              <a:t>given its </a:t>
-            </a:r>
-            <a:r>
-              <a:rPr lang="en-US" dirty="0" smtClean="0"/>
-              <a:t>parents</a:t>
-            </a:r>
-            <a:endParaRPr lang="tr-TR" dirty="0" smtClean="0"/>
-          </a:p>
-          <a:p>
-            <a:pPr marL="0" indent="0">
-              <a:buNone/>
-            </a:pPr>
+              <a:rPr lang="tr-TR" dirty="0" err="1"/>
+              <a:t>Semantics</a:t>
+            </a:r>
             <a:endParaRPr lang="tr-TR" dirty="0"/>
           </a:p>
         </p:txBody>
       </p:sp>
-      <mc:AlternateContent xmlns:mc="http://schemas.openxmlformats.org/markup-compatibility/2006" xmlns:a14="http://schemas.microsoft.com/office/drawing/2010/main">
-        <mc:Choice Requires="a14">
+      <mc:AlternateContent xmlns:mc="http://schemas.openxmlformats.org/markup-compatibility/2006">
+        <mc:Choice xmlns:a14="http://schemas.microsoft.com/office/drawing/2010/main" Requires="a14">
           <p:sp>
             <p:nvSpPr>
-              <p:cNvPr id="4" name="Dikdörtgen 3"/>
-              <p:cNvSpPr/>
-              <p:nvPr/>
+              <p:cNvPr id="3" name="İçerik Yer Tutucusu 2"/>
+              <p:cNvSpPr>
+                <a:spLocks noGrp="1"/>
+              </p:cNvSpPr>
+              <p:nvPr>
+                <p:ph idx="1"/>
+              </p:nvPr>
             </p:nvSpPr>
             <p:spPr>
               <a:xfrm>
-                <a:off x="755576" y="2924944"/>
-                <a:ext cx="6912768" cy="507831"/>
+                <a:off x="457200" y="1600201"/>
+                <a:ext cx="8229600" cy="1252736"/>
               </a:xfrm>
-              <a:prstGeom prst="rect">
-                <a:avLst/>
-              </a:prstGeom>
             </p:spPr>
             <p:txBody>
-              <a:bodyPr wrap="square">
-                <a:spAutoFit/>
+              <a:bodyPr>
+                <a:normAutofit fontScale="62500" lnSpcReduction="20000"/>
               </a:bodyPr>
               <a:lstStyle/>
               <a:p>
                 <a:r>
-                  <a:rPr lang="tr-TR" sz="2700" dirty="0"/>
+                  <a:rPr lang="tr-TR" dirty="0" err="1"/>
+                  <a:t>In</a:t>
+                </a:r>
+                <a:r>
+                  <a:rPr lang="tr-TR" dirty="0"/>
+                  <a:t> l</a:t>
+                </a:r>
+                <a:r>
+                  <a:rPr lang="en-US" dirty="0" err="1"/>
+                  <a:t>ocal</a:t>
+                </a:r>
+                <a:r>
+                  <a:rPr lang="en-US" dirty="0"/>
+                  <a:t> semantics: </a:t>
+                </a:r>
+                <a:endParaRPr lang="tr-TR" dirty="0"/>
+              </a:p>
+              <a:p>
+                <a:pPr marL="0" indent="0">
+                  <a:buNone/>
+                </a:pPr>
+                <a:r>
+                  <a:rPr lang="tr-TR" dirty="0"/>
+                  <a:t>    	e</a:t>
+                </a:r>
+                <a:r>
+                  <a:rPr lang="en-US" dirty="0"/>
+                  <a:t>ach node is conditionally independent</a:t>
+                </a:r>
+                <a:r>
+                  <a:rPr lang="tr-TR" dirty="0"/>
+                  <a:t> </a:t>
+                </a:r>
+                <a:r>
+                  <a:rPr lang="en-US" dirty="0"/>
+                  <a:t>of its </a:t>
+                </a:r>
+                <a:r>
+                  <a:rPr lang="tr-TR" dirty="0"/>
+                  <a:t> </a:t>
+                </a:r>
+              </a:p>
+              <a:p>
+                <a:pPr marL="0" indent="0">
+                  <a:buNone/>
+                </a:pPr>
+                <a:r>
+                  <a:rPr lang="tr-TR" dirty="0"/>
+                  <a:t>    	</a:t>
+                </a:r>
+                <a:r>
+                  <a:rPr lang="en-US" dirty="0" err="1"/>
+                  <a:t>nondescendants</a:t>
+                </a:r>
+                <a:r>
+                  <a:rPr lang="en-US" dirty="0"/>
+                  <a:t> given its parents</a:t>
+                </a:r>
+                <a:endParaRPr lang="tr-TR" dirty="0"/>
+              </a:p>
+              <a:p>
+                <a:pPr marL="0" indent="0">
+                  <a:buNone/>
+                </a:pPr>
+                <a:r>
+                  <a:rPr lang="tr-TR" sz="3200" dirty="0"/>
                   <a:t>Theorem: </a:t>
                 </a:r>
                 <a:r>
-                  <a:rPr lang="tr-TR" sz="2700" dirty="0" err="1" smtClean="0"/>
+                  <a:rPr lang="tr-TR" sz="3200" dirty="0" err="1"/>
                   <a:t>local</a:t>
                 </a:r>
                 <a:r>
-                  <a:rPr lang="tr-TR" sz="2700" dirty="0" smtClean="0"/>
+                  <a:rPr lang="tr-TR" sz="3200" dirty="0"/>
                   <a:t> </a:t>
                 </a:r>
                 <a:r>
-                  <a:rPr lang="tr-TR" sz="2700" dirty="0" err="1"/>
+                  <a:rPr lang="tr-TR" sz="3200" dirty="0" err="1"/>
                   <a:t>semantics</a:t>
                 </a:r>
                 <a:r>
-                  <a:rPr lang="tr-TR" sz="2700" dirty="0"/>
+                  <a:rPr lang="tr-TR" sz="3200" dirty="0"/>
                   <a:t> </a:t>
                 </a:r>
                 <a14:m>
                   <m:oMath xmlns:m="http://schemas.openxmlformats.org/officeDocument/2006/math">
                     <m:r>
-                      <a:rPr lang="tr-TR" sz="2700">
+                      <a:rPr lang="tr-TR" sz="3200">
                         <a:latin typeface="Cambria Math"/>
                       </a:rPr>
                       <m:t>⟺ </m:t>
@@ -16192,39 +15394,50 @@
                   </m:oMath>
                 </a14:m>
                 <a:r>
-                  <a:rPr lang="tr-TR" sz="2700" dirty="0"/>
+                  <a:rPr lang="tr-TR" sz="3200" dirty="0"/>
                   <a:t>global </a:t>
                 </a:r>
                 <a:r>
-                  <a:rPr lang="tr-TR" sz="2700" dirty="0" err="1"/>
+                  <a:rPr lang="tr-TR" sz="3200" dirty="0" err="1"/>
                   <a:t>semantics</a:t>
                 </a:r>
-                <a:endParaRPr lang="tr-TR" sz="2700" dirty="0"/>
+                <a:endParaRPr lang="tr-TR" sz="3200" dirty="0"/>
+              </a:p>
+              <a:p>
+                <a:pPr marL="0" indent="0">
+                  <a:buNone/>
+                </a:pPr>
+                <a:endParaRPr lang="tr-TR" dirty="0"/>
+              </a:p>
+              <a:p>
+                <a:pPr marL="0" indent="0">
+                  <a:buNone/>
+                </a:pPr>
+                <a:endParaRPr lang="tr-TR" dirty="0"/>
               </a:p>
             </p:txBody>
           </p:sp>
         </mc:Choice>
-        <mc:Fallback xmlns="">
+        <mc:Fallback>
           <p:sp>
             <p:nvSpPr>
-              <p:cNvPr id="4" name="Dikdörtgen 3"/>
+              <p:cNvPr id="3" name="İçerik Yer Tutucusu 2"/>
               <p:cNvSpPr>
-                <a:spLocks noRot="1" noChangeAspect="1" noMove="1" noResize="1" noEditPoints="1" noAdjustHandles="1" noChangeArrowheads="1" noChangeShapeType="1" noTextEdit="1"/>
+                <a:spLocks noGrp="1" noRot="1" noChangeAspect="1" noMove="1" noResize="1" noEditPoints="1" noAdjustHandles="1" noChangeArrowheads="1" noChangeShapeType="1" noTextEdit="1"/>
               </p:cNvSpPr>
-              <p:nvPr/>
+              <p:nvPr>
+                <p:ph idx="1"/>
+              </p:nvPr>
             </p:nvSpPr>
             <p:spPr>
               <a:xfrm>
-                <a:off x="755576" y="2924944"/>
-                <a:ext cx="6912768" cy="507831"/>
+                <a:off x="457200" y="1600201"/>
+                <a:ext cx="8229600" cy="1252736"/>
               </a:xfrm>
-              <a:prstGeom prst="rect">
-                <a:avLst/>
-              </a:prstGeom>
-              <a:blipFill rotWithShape="1">
-                <a:blip r:embed="rId4"/>
+              <a:blipFill>
+                <a:blip r:embed="rId3"/>
                 <a:stretch>
-                  <a:fillRect l="-1675" t="-9639" b="-31325"/>
+                  <a:fillRect l="-741" t="-7317" b="-8780"/>
                 </a:stretch>
               </a:blipFill>
             </p:spPr>
@@ -16252,7 +15465,7 @@
           <p:nvPr/>
         </p:nvPicPr>
         <p:blipFill>
-          <a:blip r:embed="rId5">
+          <a:blip r:embed="rId4">
             <a:clrChange>
               <a:clrFrom>
                 <a:srgbClr val="FFFFFF"/>
@@ -16275,8 +15488,8 @@
         </p:blipFill>
         <p:spPr>
           <a:xfrm>
-            <a:off x="2195736" y="3432775"/>
-            <a:ext cx="4500229" cy="3477450"/>
+            <a:off x="2843808" y="3405268"/>
+            <a:ext cx="2827752" cy="2185081"/>
           </a:xfrm>
           <a:prstGeom prst="rect">
             <a:avLst/>
@@ -16293,13 +15506,6 @@
   <p:clrMapOvr>
     <a:masterClrMapping/>
   </p:clrMapOvr>
-  <p:timing>
-    <p:tnLst>
-      <p:par>
-        <p:cTn id="1" dur="indefinite" restart="never" nodeType="tmRoot"/>
-      </p:par>
-    </p:tnLst>
-  </p:timing>
 </p:sld>
 </file>
 
@@ -16336,15 +15542,15 @@
           <a:lstStyle/>
           <a:p>
             <a:r>
-              <a:rPr lang="tr-TR" dirty="0" err="1" smtClean="0"/>
+              <a:rPr lang="tr-TR" dirty="0" err="1"/>
               <a:t>Markov</a:t>
             </a:r>
             <a:r>
-              <a:rPr lang="tr-TR" dirty="0" smtClean="0"/>
+              <a:rPr lang="tr-TR" dirty="0"/>
               <a:t> </a:t>
             </a:r>
             <a:r>
-              <a:rPr lang="tr-TR" dirty="0" err="1" smtClean="0"/>
+              <a:rPr lang="tr-TR" dirty="0" err="1"/>
               <a:t>Blanket</a:t>
             </a:r>
             <a:endParaRPr lang="tr-TR" dirty="0"/>
@@ -16380,14 +15586,10 @@
             </a:pPr>
             <a:r>
               <a:rPr lang="en-US" dirty="0"/>
-              <a:t>Each node is conditionally independent of all others given </a:t>
-            </a:r>
-            <a:r>
-              <a:rPr lang="en-US" dirty="0" smtClean="0"/>
-              <a:t>its</a:t>
-            </a:r>
-            <a:r>
-              <a:rPr lang="tr-TR" dirty="0" smtClean="0"/>
+              <a:t>Each node is conditionally independent of all others given its</a:t>
+            </a:r>
+            <a:r>
+              <a:rPr lang="tr-TR" dirty="0"/>
               <a:t> </a:t>
             </a:r>
             <a:r>
@@ -16405,7 +15607,7 @@
               <a:rPr lang="en-US" dirty="0"/>
               <a:t>Markov blanket: </a:t>
             </a:r>
-            <a:endParaRPr lang="tr-TR" dirty="0" smtClean="0"/>
+            <a:endParaRPr lang="tr-TR" dirty="0"/>
           </a:p>
           <a:p>
             <a:pPr lvl="1">
@@ -16414,12 +15616,8 @@
               </a:lnSpc>
             </a:pPr>
             <a:r>
-              <a:rPr lang="en-US" dirty="0" smtClean="0"/>
-              <a:t>parents </a:t>
-            </a:r>
-            <a:r>
               <a:rPr lang="en-US" dirty="0"/>
-              <a:t>+ children + children's parents</a:t>
+              <a:t>parents + children + children's parents</a:t>
             </a:r>
             <a:endParaRPr lang="tr-TR" dirty="0"/>
           </a:p>
@@ -16475,13 +15673,6 @@
   <p:clrMapOvr>
     <a:masterClrMapping/>
   </p:clrMapOvr>
-  <p:timing>
-    <p:tnLst>
-      <p:par>
-        <p:cTn id="1" dur="indefinite" restart="never" nodeType="tmRoot"/>
-      </p:par>
-    </p:tnLst>
-  </p:timing>
 </p:sld>
 </file>
 
